--- a/docs/slides/lees-git.pptx
+++ b/docs/slides/lees-git.pptx
@@ -5,7 +5,7 @@
     <p:sldMasterId id="2147483648" r:id="rId1"/>
   </p:sldMasterIdLst>
   <p:notesMasterIdLst>
-    <p:notesMasterId r:id="rId39"/>
+    <p:notesMasterId r:id="rId29"/>
   </p:notesMasterIdLst>
   <p:sldIdLst>
     <p:sldId id="256" r:id="rId2"/>
@@ -35,16 +35,6 @@
     <p:sldId id="280" r:id="rId26"/>
     <p:sldId id="281" r:id="rId27"/>
     <p:sldId id="282" r:id="rId28"/>
-    <p:sldId id="283" r:id="rId29"/>
-    <p:sldId id="284" r:id="rId30"/>
-    <p:sldId id="285" r:id="rId31"/>
-    <p:sldId id="286" r:id="rId32"/>
-    <p:sldId id="287" r:id="rId33"/>
-    <p:sldId id="288" r:id="rId34"/>
-    <p:sldId id="289" r:id="rId35"/>
-    <p:sldId id="290" r:id="rId36"/>
-    <p:sldId id="291" r:id="rId37"/>
-    <p:sldId id="292" r:id="rId38"/>
   </p:sldIdLst>
   <p:sldSz cx="9144000" cy="5143500" type="screen16x9"/>
   <p:notesSz cx="6858000" cy="9144000"/>
@@ -560,7 +550,7 @@
             </a:pPr>
             <a:r>
               <a:rPr/>
-              <a:t>does this work; prob not</a:t>
+              <a:t>This tutorial draws heavily on the website happygitwithr.com To learn more about using git with R, please visit the website, which covers introductory materials in greater details and guides new users through more advanced topics.</a:t>
             </a:r>
           </a:p>
         </p:txBody>
@@ -583,6 +573,1679 @@
             <a:fld id="{18BDFEC3-8487-43E8-A154-7C12CBC1FFF2}" type="slidenum">
               <a:rPr lang="en-US"/>
               <a:t>2</a:t>
+            </a:fld>
+            <a:endParaRPr lang="en-US"/>
+          </a:p>
+        </p:txBody>
+      </p:sp>
+    </p:spTree>
+  </p:cSld>
+</p:notes>
+</file>
+
+<file path=ppt/notesSlides/notesSlide10.xml><?xml version="1.0" encoding="utf-8"?>
+<p:notes xmlns:a="http://schemas.openxmlformats.org/drawingml/2006/main" xmlns:r="http://schemas.openxmlformats.org/officeDocument/2006/relationships" xmlns:p="http://schemas.openxmlformats.org/presentationml/2006/main">
+  <p:cSld>
+    <p:spTree>
+      <p:nvGrpSpPr>
+        <p:cNvPr id="1" name=""/>
+        <p:cNvGrpSpPr/>
+        <p:nvPr/>
+      </p:nvGrpSpPr>
+      <p:grpSpPr>
+        <a:xfrm>
+          <a:off x="0" y="0"/>
+          <a:ext cx="0" cy="0"/>
+          <a:chOff x="0" y="0"/>
+          <a:chExt cx="0" cy="0"/>
+        </a:xfrm>
+      </p:grpSpPr>
+      <p:sp>
+        <p:nvSpPr>
+          <p:cNvPr id="2" name="Slide Image Placeholder 1"/>
+          <p:cNvSpPr>
+            <a:spLocks noGrp="1" noRot="1" noChangeAspect="1"/>
+          </p:cNvSpPr>
+          <p:nvPr>
+            <p:ph type="sldImg"/>
+          </p:nvPr>
+        </p:nvSpPr>
+        <p:spPr/>
+      </p:sp>
+      <p:sp>
+        <p:nvSpPr>
+          <p:cNvPr id="3" name="Notes Placeholder 2"/>
+          <p:cNvSpPr>
+            <a:spLocks noGrp="1"/>
+          </p:cNvSpPr>
+          <p:nvPr>
+            <p:ph type="body" idx="1"/>
+          </p:nvPr>
+        </p:nvSpPr>
+        <p:spPr/>
+        <p:txBody>
+          <a:bodyPr/>
+          <a:lstStyle/>
+          <a:p>
+            <a:pPr lvl="0" indent="0" marL="0">
+              <a:buNone/>
+            </a:pPr>
+            <a:r>
+              <a:rPr/>
+              <a:t>Once you double-click the exe, a prompt will open. Proceed through the next few steps</a:t>
+            </a:r>
+          </a:p>
+        </p:txBody>
+      </p:sp>
+      <p:sp>
+        <p:nvSpPr>
+          <p:cNvPr id="4" name="Slide Number Placeholder 3"/>
+          <p:cNvSpPr>
+            <a:spLocks noGrp="1"/>
+          </p:cNvSpPr>
+          <p:nvPr>
+            <p:ph type="sldNum" sz="quarter" idx="10"/>
+          </p:nvPr>
+        </p:nvSpPr>
+        <p:spPr/>
+        <p:txBody>
+          <a:bodyPr/>
+          <a:lstStyle/>
+          <a:p>
+            <a:fld id="{18BDFEC3-8487-43E8-A154-7C12CBC1FFF2}" type="slidenum">
+              <a:rPr lang="en-US"/>
+              <a:t>11</a:t>
+            </a:fld>
+            <a:endParaRPr lang="en-US"/>
+          </a:p>
+        </p:txBody>
+      </p:sp>
+    </p:spTree>
+  </p:cSld>
+</p:notes>
+</file>
+
+<file path=ppt/notesSlides/notesSlide11.xml><?xml version="1.0" encoding="utf-8"?>
+<p:notes xmlns:a="http://schemas.openxmlformats.org/drawingml/2006/main" xmlns:r="http://schemas.openxmlformats.org/officeDocument/2006/relationships" xmlns:p="http://schemas.openxmlformats.org/presentationml/2006/main">
+  <p:cSld>
+    <p:spTree>
+      <p:nvGrpSpPr>
+        <p:cNvPr id="1" name=""/>
+        <p:cNvGrpSpPr/>
+        <p:nvPr/>
+      </p:nvGrpSpPr>
+      <p:grpSpPr>
+        <a:xfrm>
+          <a:off x="0" y="0"/>
+          <a:ext cx="0" cy="0"/>
+          <a:chOff x="0" y="0"/>
+          <a:chExt cx="0" cy="0"/>
+        </a:xfrm>
+      </p:grpSpPr>
+      <p:sp>
+        <p:nvSpPr>
+          <p:cNvPr id="2" name="Slide Image Placeholder 1"/>
+          <p:cNvSpPr>
+            <a:spLocks noGrp="1" noRot="1" noChangeAspect="1"/>
+          </p:cNvSpPr>
+          <p:nvPr>
+            <p:ph type="sldImg"/>
+          </p:nvPr>
+        </p:nvSpPr>
+        <p:spPr/>
+      </p:sp>
+      <p:sp>
+        <p:nvSpPr>
+          <p:cNvPr id="3" name="Notes Placeholder 2"/>
+          <p:cNvSpPr>
+            <a:spLocks noGrp="1"/>
+          </p:cNvSpPr>
+          <p:nvPr>
+            <p:ph type="body" idx="1"/>
+          </p:nvPr>
+        </p:nvSpPr>
+        <p:spPr/>
+        <p:txBody>
+          <a:bodyPr/>
+          <a:lstStyle/>
+          <a:p>
+            <a:pPr lvl="0" indent="0" marL="0">
+              <a:buNone/>
+            </a:pPr>
+            <a:r>
+              <a:rPr/>
+              <a:t>Although this is optional, most users prefer to call the primary branch main rather than master (default)</a:t>
+            </a:r>
+          </a:p>
+        </p:txBody>
+      </p:sp>
+      <p:sp>
+        <p:nvSpPr>
+          <p:cNvPr id="4" name="Slide Number Placeholder 3"/>
+          <p:cNvSpPr>
+            <a:spLocks noGrp="1"/>
+          </p:cNvSpPr>
+          <p:nvPr>
+            <p:ph type="sldNum" sz="quarter" idx="10"/>
+          </p:nvPr>
+        </p:nvSpPr>
+        <p:spPr/>
+        <p:txBody>
+          <a:bodyPr/>
+          <a:lstStyle/>
+          <a:p>
+            <a:fld id="{18BDFEC3-8487-43E8-A154-7C12CBC1FFF2}" type="slidenum">
+              <a:rPr lang="en-US"/>
+              <a:t>12</a:t>
+            </a:fld>
+            <a:endParaRPr lang="en-US"/>
+          </a:p>
+        </p:txBody>
+      </p:sp>
+    </p:spTree>
+  </p:cSld>
+</p:notes>
+</file>
+
+<file path=ppt/notesSlides/notesSlide12.xml><?xml version="1.0" encoding="utf-8"?>
+<p:notes xmlns:a="http://schemas.openxmlformats.org/drawingml/2006/main" xmlns:r="http://schemas.openxmlformats.org/officeDocument/2006/relationships" xmlns:p="http://schemas.openxmlformats.org/presentationml/2006/main">
+  <p:cSld>
+    <p:spTree>
+      <p:nvGrpSpPr>
+        <p:cNvPr id="1" name=""/>
+        <p:cNvGrpSpPr/>
+        <p:nvPr/>
+      </p:nvGrpSpPr>
+      <p:grpSpPr>
+        <a:xfrm>
+          <a:off x="0" y="0"/>
+          <a:ext cx="0" cy="0"/>
+          <a:chOff x="0" y="0"/>
+          <a:chExt cx="0" cy="0"/>
+        </a:xfrm>
+      </p:grpSpPr>
+      <p:sp>
+        <p:nvSpPr>
+          <p:cNvPr id="2" name="Slide Image Placeholder 1"/>
+          <p:cNvSpPr>
+            <a:spLocks noGrp="1" noRot="1" noChangeAspect="1"/>
+          </p:cNvSpPr>
+          <p:nvPr>
+            <p:ph type="sldImg"/>
+          </p:nvPr>
+        </p:nvSpPr>
+        <p:spPr/>
+      </p:sp>
+      <p:sp>
+        <p:nvSpPr>
+          <p:cNvPr id="3" name="Notes Placeholder 2"/>
+          <p:cNvSpPr>
+            <a:spLocks noGrp="1"/>
+          </p:cNvSpPr>
+          <p:nvPr>
+            <p:ph type="body" idx="1"/>
+          </p:nvPr>
+        </p:nvSpPr>
+        <p:spPr/>
+        <p:txBody>
+          <a:bodyPr/>
+          <a:lstStyle/>
+          <a:p>
+            <a:pPr lvl="0" indent="0" marL="0">
+              <a:buNone/>
+            </a:pPr>
+            <a:r>
+              <a:rPr/>
+              <a:t>Now open a new command prompt and type git –version again - This time, you should get a response that indicates a version of git is installed on your computer</a:t>
+            </a:r>
+          </a:p>
+        </p:txBody>
+      </p:sp>
+      <p:sp>
+        <p:nvSpPr>
+          <p:cNvPr id="4" name="Slide Number Placeholder 3"/>
+          <p:cNvSpPr>
+            <a:spLocks noGrp="1"/>
+          </p:cNvSpPr>
+          <p:nvPr>
+            <p:ph type="sldNum" sz="quarter" idx="10"/>
+          </p:nvPr>
+        </p:nvSpPr>
+        <p:spPr/>
+        <p:txBody>
+          <a:bodyPr/>
+          <a:lstStyle/>
+          <a:p>
+            <a:fld id="{18BDFEC3-8487-43E8-A154-7C12CBC1FFF2}" type="slidenum">
+              <a:rPr lang="en-US"/>
+              <a:t>14</a:t>
+            </a:fld>
+            <a:endParaRPr lang="en-US"/>
+          </a:p>
+        </p:txBody>
+      </p:sp>
+    </p:spTree>
+  </p:cSld>
+</p:notes>
+</file>
+
+<file path=ppt/notesSlides/notesSlide13.xml><?xml version="1.0" encoding="utf-8"?>
+<p:notes xmlns:a="http://schemas.openxmlformats.org/drawingml/2006/main" xmlns:r="http://schemas.openxmlformats.org/officeDocument/2006/relationships" xmlns:p="http://schemas.openxmlformats.org/presentationml/2006/main">
+  <p:cSld>
+    <p:spTree>
+      <p:nvGrpSpPr>
+        <p:cNvPr id="1" name=""/>
+        <p:cNvGrpSpPr/>
+        <p:nvPr/>
+      </p:nvGrpSpPr>
+      <p:grpSpPr>
+        <a:xfrm>
+          <a:off x="0" y="0"/>
+          <a:ext cx="0" cy="0"/>
+          <a:chOff x="0" y="0"/>
+          <a:chExt cx="0" cy="0"/>
+        </a:xfrm>
+      </p:grpSpPr>
+      <p:sp>
+        <p:nvSpPr>
+          <p:cNvPr id="2" name="Slide Image Placeholder 1"/>
+          <p:cNvSpPr>
+            <a:spLocks noGrp="1" noRot="1" noChangeAspect="1"/>
+          </p:cNvSpPr>
+          <p:nvPr>
+            <p:ph type="sldImg"/>
+          </p:nvPr>
+        </p:nvSpPr>
+        <p:spPr/>
+      </p:sp>
+      <p:sp>
+        <p:nvSpPr>
+          <p:cNvPr id="3" name="Notes Placeholder 2"/>
+          <p:cNvSpPr>
+            <a:spLocks noGrp="1"/>
+          </p:cNvSpPr>
+          <p:nvPr>
+            <p:ph type="body" idx="1"/>
+          </p:nvPr>
+        </p:nvSpPr>
+        <p:spPr/>
+        <p:txBody>
+          <a:bodyPr/>
+          <a:lstStyle/>
+          <a:p>
+            <a:pPr lvl="0" indent="0" marL="0">
+              <a:buNone/>
+            </a:pPr>
+            <a:r>
+              <a:rPr/>
+              <a:t>Now you need to connect your computer’s Git installation with your account on Github.com Type the following two commands into your terminal window, using the username and email address that you used to sign-up for a Github account</a:t>
+            </a:r>
+          </a:p>
+        </p:txBody>
+      </p:sp>
+      <p:sp>
+        <p:nvSpPr>
+          <p:cNvPr id="4" name="Slide Number Placeholder 3"/>
+          <p:cNvSpPr>
+            <a:spLocks noGrp="1"/>
+          </p:cNvSpPr>
+          <p:nvPr>
+            <p:ph type="sldNum" sz="quarter" idx="10"/>
+          </p:nvPr>
+        </p:nvSpPr>
+        <p:spPr/>
+        <p:txBody>
+          <a:bodyPr/>
+          <a:lstStyle/>
+          <a:p>
+            <a:fld id="{18BDFEC3-8487-43E8-A154-7C12CBC1FFF2}" type="slidenum">
+              <a:rPr lang="en-US"/>
+              <a:t>15</a:t>
+            </a:fld>
+            <a:endParaRPr lang="en-US"/>
+          </a:p>
+        </p:txBody>
+      </p:sp>
+    </p:spTree>
+  </p:cSld>
+</p:notes>
+</file>
+
+<file path=ppt/notesSlides/notesSlide14.xml><?xml version="1.0" encoding="utf-8"?>
+<p:notes xmlns:a="http://schemas.openxmlformats.org/drawingml/2006/main" xmlns:r="http://schemas.openxmlformats.org/officeDocument/2006/relationships" xmlns:p="http://schemas.openxmlformats.org/presentationml/2006/main">
+  <p:cSld>
+    <p:spTree>
+      <p:nvGrpSpPr>
+        <p:cNvPr id="1" name=""/>
+        <p:cNvGrpSpPr/>
+        <p:nvPr/>
+      </p:nvGrpSpPr>
+      <p:grpSpPr>
+        <a:xfrm>
+          <a:off x="0" y="0"/>
+          <a:ext cx="0" cy="0"/>
+          <a:chOff x="0" y="0"/>
+          <a:chExt cx="0" cy="0"/>
+        </a:xfrm>
+      </p:grpSpPr>
+      <p:sp>
+        <p:nvSpPr>
+          <p:cNvPr id="2" name="Slide Image Placeholder 1"/>
+          <p:cNvSpPr>
+            <a:spLocks noGrp="1" noRot="1" noChangeAspect="1"/>
+          </p:cNvSpPr>
+          <p:nvPr>
+            <p:ph type="sldImg"/>
+          </p:nvPr>
+        </p:nvSpPr>
+        <p:spPr/>
+      </p:sp>
+      <p:sp>
+        <p:nvSpPr>
+          <p:cNvPr id="3" name="Notes Placeholder 2"/>
+          <p:cNvSpPr>
+            <a:spLocks noGrp="1"/>
+          </p:cNvSpPr>
+          <p:nvPr>
+            <p:ph type="body" idx="1"/>
+          </p:nvPr>
+        </p:nvSpPr>
+        <p:spPr/>
+        <p:txBody>
+          <a:bodyPr/>
+          <a:lstStyle/>
+          <a:p>
+            <a:pPr lvl="0" indent="0" marL="0">
+              <a:buNone/>
+            </a:pPr>
+            <a:r>
+              <a:rPr/>
+              <a:t>Check to see that the configuration worked. Depending on your operating system, the message you see might look different. If the configuration was successful, your username and email address will show-up somewhere in the message</a:t>
+            </a:r>
+            <a:br/>
+            <a:r>
+              <a:rPr/>
+              <a:t>The Git on your computer can now communicate with your account on Github.com</a:t>
+            </a:r>
+          </a:p>
+        </p:txBody>
+      </p:sp>
+      <p:sp>
+        <p:nvSpPr>
+          <p:cNvPr id="4" name="Slide Number Placeholder 3"/>
+          <p:cNvSpPr>
+            <a:spLocks noGrp="1"/>
+          </p:cNvSpPr>
+          <p:nvPr>
+            <p:ph type="sldNum" sz="quarter" idx="10"/>
+          </p:nvPr>
+        </p:nvSpPr>
+        <p:spPr/>
+        <p:txBody>
+          <a:bodyPr/>
+          <a:lstStyle/>
+          <a:p>
+            <a:fld id="{18BDFEC3-8487-43E8-A154-7C12CBC1FFF2}" type="slidenum">
+              <a:rPr lang="en-US"/>
+              <a:t>16</a:t>
+            </a:fld>
+            <a:endParaRPr lang="en-US"/>
+          </a:p>
+        </p:txBody>
+      </p:sp>
+    </p:spTree>
+  </p:cSld>
+</p:notes>
+</file>
+
+<file path=ppt/notesSlides/notesSlide15.xml><?xml version="1.0" encoding="utf-8"?>
+<p:notes xmlns:a="http://schemas.openxmlformats.org/drawingml/2006/main" xmlns:r="http://schemas.openxmlformats.org/officeDocument/2006/relationships" xmlns:p="http://schemas.openxmlformats.org/presentationml/2006/main">
+  <p:cSld>
+    <p:spTree>
+      <p:nvGrpSpPr>
+        <p:cNvPr id="1" name=""/>
+        <p:cNvGrpSpPr/>
+        <p:nvPr/>
+      </p:nvGrpSpPr>
+      <p:grpSpPr>
+        <a:xfrm>
+          <a:off x="0" y="0"/>
+          <a:ext cx="0" cy="0"/>
+          <a:chOff x="0" y="0"/>
+          <a:chExt cx="0" cy="0"/>
+        </a:xfrm>
+      </p:grpSpPr>
+      <p:sp>
+        <p:nvSpPr>
+          <p:cNvPr id="2" name="Slide Image Placeholder 1"/>
+          <p:cNvSpPr>
+            <a:spLocks noGrp="1" noRot="1" noChangeAspect="1"/>
+          </p:cNvSpPr>
+          <p:nvPr>
+            <p:ph type="sldImg"/>
+          </p:nvPr>
+        </p:nvSpPr>
+        <p:spPr/>
+      </p:sp>
+      <p:sp>
+        <p:nvSpPr>
+          <p:cNvPr id="3" name="Notes Placeholder 2"/>
+          <p:cNvSpPr>
+            <a:spLocks noGrp="1"/>
+          </p:cNvSpPr>
+          <p:nvPr>
+            <p:ph type="body" idx="1"/>
+          </p:nvPr>
+        </p:nvSpPr>
+        <p:spPr/>
+        <p:txBody>
+          <a:bodyPr/>
+          <a:lstStyle/>
+          <a:p>
+            <a:pPr lvl="0" indent="0" marL="0">
+              <a:buNone/>
+            </a:pPr>
+            <a:r>
+              <a:rPr/>
+              <a:t>The next step is to install a Github client - The client allows you to more easily manage the process of pushing and pulling commits between your local copy of a repo and the remote version on Github.com - There are many clients you can use, but we recommend Github Desktop for most users because of its simplicity - Just visit desktop.github.com, click download, and then double-click the .exe file that gets downloaded to your computer</a:t>
+            </a:r>
+          </a:p>
+        </p:txBody>
+      </p:sp>
+      <p:sp>
+        <p:nvSpPr>
+          <p:cNvPr id="4" name="Slide Number Placeholder 3"/>
+          <p:cNvSpPr>
+            <a:spLocks noGrp="1"/>
+          </p:cNvSpPr>
+          <p:nvPr>
+            <p:ph type="sldNum" sz="quarter" idx="10"/>
+          </p:nvPr>
+        </p:nvSpPr>
+        <p:spPr/>
+        <p:txBody>
+          <a:bodyPr/>
+          <a:lstStyle/>
+          <a:p>
+            <a:fld id="{18BDFEC3-8487-43E8-A154-7C12CBC1FFF2}" type="slidenum">
+              <a:rPr lang="en-US"/>
+              <a:t>17</a:t>
+            </a:fld>
+            <a:endParaRPr lang="en-US"/>
+          </a:p>
+        </p:txBody>
+      </p:sp>
+    </p:spTree>
+  </p:cSld>
+</p:notes>
+</file>
+
+<file path=ppt/notesSlides/notesSlide16.xml><?xml version="1.0" encoding="utf-8"?>
+<p:notes xmlns:a="http://schemas.openxmlformats.org/drawingml/2006/main" xmlns:r="http://schemas.openxmlformats.org/officeDocument/2006/relationships" xmlns:p="http://schemas.openxmlformats.org/presentationml/2006/main">
+  <p:cSld>
+    <p:spTree>
+      <p:nvGrpSpPr>
+        <p:cNvPr id="1" name=""/>
+        <p:cNvGrpSpPr/>
+        <p:nvPr/>
+      </p:nvGrpSpPr>
+      <p:grpSpPr>
+        <a:xfrm>
+          <a:off x="0" y="0"/>
+          <a:ext cx="0" cy="0"/>
+          <a:chOff x="0" y="0"/>
+          <a:chExt cx="0" cy="0"/>
+        </a:xfrm>
+      </p:grpSpPr>
+      <p:sp>
+        <p:nvSpPr>
+          <p:cNvPr id="2" name="Slide Image Placeholder 1"/>
+          <p:cNvSpPr>
+            <a:spLocks noGrp="1" noRot="1" noChangeAspect="1"/>
+          </p:cNvSpPr>
+          <p:nvPr>
+            <p:ph type="sldImg"/>
+          </p:nvPr>
+        </p:nvSpPr>
+        <p:spPr/>
+      </p:sp>
+      <p:sp>
+        <p:nvSpPr>
+          <p:cNvPr id="3" name="Notes Placeholder 2"/>
+          <p:cNvSpPr>
+            <a:spLocks noGrp="1"/>
+          </p:cNvSpPr>
+          <p:nvPr>
+            <p:ph type="body" idx="1"/>
+          </p:nvPr>
+        </p:nvSpPr>
+        <p:spPr/>
+        <p:txBody>
+          <a:bodyPr/>
+          <a:lstStyle/>
+          <a:p>
+            <a:pPr lvl="0" indent="0" marL="0">
+              <a:buNone/>
+            </a:pPr>
+            <a:r>
+              <a:rPr/>
+              <a:t>You will receive a prompt asking you to sign-in to your account on Github.com. Follow these instructions</a:t>
+            </a:r>
+          </a:p>
+        </p:txBody>
+      </p:sp>
+      <p:sp>
+        <p:nvSpPr>
+          <p:cNvPr id="4" name="Slide Number Placeholder 3"/>
+          <p:cNvSpPr>
+            <a:spLocks noGrp="1"/>
+          </p:cNvSpPr>
+          <p:nvPr>
+            <p:ph type="sldNum" sz="quarter" idx="10"/>
+          </p:nvPr>
+        </p:nvSpPr>
+        <p:spPr/>
+        <p:txBody>
+          <a:bodyPr/>
+          <a:lstStyle/>
+          <a:p>
+            <a:fld id="{18BDFEC3-8487-43E8-A154-7C12CBC1FFF2}" type="slidenum">
+              <a:rPr lang="en-US"/>
+              <a:t>18</a:t>
+            </a:fld>
+            <a:endParaRPr lang="en-US"/>
+          </a:p>
+        </p:txBody>
+      </p:sp>
+    </p:spTree>
+  </p:cSld>
+</p:notes>
+</file>
+
+<file path=ppt/notesSlides/notesSlide17.xml><?xml version="1.0" encoding="utf-8"?>
+<p:notes xmlns:a="http://schemas.openxmlformats.org/drawingml/2006/main" xmlns:r="http://schemas.openxmlformats.org/officeDocument/2006/relationships" xmlns:p="http://schemas.openxmlformats.org/presentationml/2006/main">
+  <p:cSld>
+    <p:spTree>
+      <p:nvGrpSpPr>
+        <p:cNvPr id="1" name=""/>
+        <p:cNvGrpSpPr/>
+        <p:nvPr/>
+      </p:nvGrpSpPr>
+      <p:grpSpPr>
+        <a:xfrm>
+          <a:off x="0" y="0"/>
+          <a:ext cx="0" cy="0"/>
+          <a:chOff x="0" y="0"/>
+          <a:chExt cx="0" cy="0"/>
+        </a:xfrm>
+      </p:grpSpPr>
+      <p:sp>
+        <p:nvSpPr>
+          <p:cNvPr id="2" name="Slide Image Placeholder 1"/>
+          <p:cNvSpPr>
+            <a:spLocks noGrp="1" noRot="1" noChangeAspect="1"/>
+          </p:cNvSpPr>
+          <p:nvPr>
+            <p:ph type="sldImg"/>
+          </p:nvPr>
+        </p:nvSpPr>
+        <p:spPr/>
+      </p:sp>
+      <p:sp>
+        <p:nvSpPr>
+          <p:cNvPr id="3" name="Notes Placeholder 2"/>
+          <p:cNvSpPr>
+            <a:spLocks noGrp="1"/>
+          </p:cNvSpPr>
+          <p:nvPr>
+            <p:ph type="body" idx="1"/>
+          </p:nvPr>
+        </p:nvSpPr>
+        <p:spPr/>
+        <p:txBody>
+          <a:bodyPr/>
+          <a:lstStyle/>
+          <a:p>
+            <a:pPr lvl="0" indent="0" marL="0">
+              <a:buNone/>
+            </a:pPr>
+            <a:r>
+              <a:rPr/>
+              <a:t>Once you have created a git repo on your Github account, you need to “clone” the remote repo to create a local copy on your harddrive. This will allow you to add files and make changes to the repo before pushing them up to the remote version</a:t>
+            </a:r>
+          </a:p>
+        </p:txBody>
+      </p:sp>
+      <p:sp>
+        <p:nvSpPr>
+          <p:cNvPr id="4" name="Slide Number Placeholder 3"/>
+          <p:cNvSpPr>
+            <a:spLocks noGrp="1"/>
+          </p:cNvSpPr>
+          <p:nvPr>
+            <p:ph type="sldNum" sz="quarter" idx="10"/>
+          </p:nvPr>
+        </p:nvSpPr>
+        <p:spPr/>
+        <p:txBody>
+          <a:bodyPr/>
+          <a:lstStyle/>
+          <a:p>
+            <a:fld id="{18BDFEC3-8487-43E8-A154-7C12CBC1FFF2}" type="slidenum">
+              <a:rPr lang="en-US"/>
+              <a:t>22</a:t>
+            </a:fld>
+            <a:endParaRPr lang="en-US"/>
+          </a:p>
+        </p:txBody>
+      </p:sp>
+    </p:spTree>
+  </p:cSld>
+</p:notes>
+</file>
+
+<file path=ppt/notesSlides/notesSlide18.xml><?xml version="1.0" encoding="utf-8"?>
+<p:notes xmlns:a="http://schemas.openxmlformats.org/drawingml/2006/main" xmlns:r="http://schemas.openxmlformats.org/officeDocument/2006/relationships" xmlns:p="http://schemas.openxmlformats.org/presentationml/2006/main">
+  <p:cSld>
+    <p:spTree>
+      <p:nvGrpSpPr>
+        <p:cNvPr id="1" name=""/>
+        <p:cNvGrpSpPr/>
+        <p:nvPr/>
+      </p:nvGrpSpPr>
+      <p:grpSpPr>
+        <a:xfrm>
+          <a:off x="0" y="0"/>
+          <a:ext cx="0" cy="0"/>
+          <a:chOff x="0" y="0"/>
+          <a:chExt cx="0" cy="0"/>
+        </a:xfrm>
+      </p:grpSpPr>
+      <p:sp>
+        <p:nvSpPr>
+          <p:cNvPr id="2" name="Slide Image Placeholder 1"/>
+          <p:cNvSpPr>
+            <a:spLocks noGrp="1" noRot="1" noChangeAspect="1"/>
+          </p:cNvSpPr>
+          <p:nvPr>
+            <p:ph type="sldImg"/>
+          </p:nvPr>
+        </p:nvSpPr>
+        <p:spPr/>
+      </p:sp>
+      <p:sp>
+        <p:nvSpPr>
+          <p:cNvPr id="3" name="Notes Placeholder 2"/>
+          <p:cNvSpPr>
+            <a:spLocks noGrp="1"/>
+          </p:cNvSpPr>
+          <p:nvPr>
+            <p:ph type="body" idx="1"/>
+          </p:nvPr>
+        </p:nvSpPr>
+        <p:spPr/>
+        <p:txBody>
+          <a:bodyPr/>
+          <a:lstStyle/>
+          <a:p>
+            <a:pPr lvl="0" indent="0" marL="0">
+              <a:buNone/>
+            </a:pPr>
+            <a:r>
+              <a:rPr/>
+              <a:t>Once your repo has finished cloning, you should have a Github Desktop page for the repo that looks like this You can click the icons to open the project in RStudio, see the repo’s folder on your harddrive, or view the remote version on Github.com</a:t>
+            </a:r>
+          </a:p>
+        </p:txBody>
+      </p:sp>
+      <p:sp>
+        <p:nvSpPr>
+          <p:cNvPr id="4" name="Slide Number Placeholder 3"/>
+          <p:cNvSpPr>
+            <a:spLocks noGrp="1"/>
+          </p:cNvSpPr>
+          <p:nvPr>
+            <p:ph type="sldNum" sz="quarter" idx="10"/>
+          </p:nvPr>
+        </p:nvSpPr>
+        <p:spPr/>
+        <p:txBody>
+          <a:bodyPr/>
+          <a:lstStyle/>
+          <a:p>
+            <a:fld id="{18BDFEC3-8487-43E8-A154-7C12CBC1FFF2}" type="slidenum">
+              <a:rPr lang="en-US"/>
+              <a:t>24</a:t>
+            </a:fld>
+            <a:endParaRPr lang="en-US"/>
+          </a:p>
+        </p:txBody>
+      </p:sp>
+    </p:spTree>
+  </p:cSld>
+</p:notes>
+</file>
+
+<file path=ppt/notesSlides/notesSlide19.xml><?xml version="1.0" encoding="utf-8"?>
+<p:notes xmlns:a="http://schemas.openxmlformats.org/drawingml/2006/main" xmlns:r="http://schemas.openxmlformats.org/officeDocument/2006/relationships" xmlns:p="http://schemas.openxmlformats.org/presentationml/2006/main">
+  <p:cSld>
+    <p:spTree>
+      <p:nvGrpSpPr>
+        <p:cNvPr id="1" name=""/>
+        <p:cNvGrpSpPr/>
+        <p:nvPr/>
+      </p:nvGrpSpPr>
+      <p:grpSpPr>
+        <a:xfrm>
+          <a:off x="0" y="0"/>
+          <a:ext cx="0" cy="0"/>
+          <a:chOff x="0" y="0"/>
+          <a:chExt cx="0" cy="0"/>
+        </a:xfrm>
+      </p:grpSpPr>
+      <p:sp>
+        <p:nvSpPr>
+          <p:cNvPr id="2" name="Slide Image Placeholder 1"/>
+          <p:cNvSpPr>
+            <a:spLocks noGrp="1" noRot="1" noChangeAspect="1"/>
+          </p:cNvSpPr>
+          <p:nvPr>
+            <p:ph type="sldImg"/>
+          </p:nvPr>
+        </p:nvSpPr>
+        <p:spPr/>
+      </p:sp>
+      <p:sp>
+        <p:nvSpPr>
+          <p:cNvPr id="3" name="Notes Placeholder 2"/>
+          <p:cNvSpPr>
+            <a:spLocks noGrp="1"/>
+          </p:cNvSpPr>
+          <p:nvPr>
+            <p:ph type="body" idx="1"/>
+          </p:nvPr>
+        </p:nvSpPr>
+        <p:spPr/>
+        <p:txBody>
+          <a:bodyPr/>
+          <a:lstStyle/>
+          <a:p>
+            <a:pPr lvl="0" indent="0" marL="0">
+              <a:buNone/>
+            </a:pPr>
+            <a:r>
+              <a:rPr/>
+              <a:t>Now you can make changes to the repo, and those changes will appear as “diffs” in the application Green will indicate additions, Red will indicate deletions, and yellow will indicate changes Try adding a </a:t>
+            </a:r>
+            <a:r>
+              <a:rPr>
+                <a:latin typeface="Courier"/>
+              </a:rPr>
+              <a:t>.R</a:t>
+            </a:r>
+            <a:r>
+              <a:rPr/>
+              <a:t> file or an empty </a:t>
+            </a:r>
+            <a:r>
+              <a:rPr>
+                <a:latin typeface="Courier"/>
+              </a:rPr>
+              <a:t>.txt</a:t>
+            </a:r>
+            <a:r>
+              <a:rPr/>
+              <a:t> file to the repo’s folder; you should see it show up immediately on the Github Desktop app In the bottom left, enter text to describe the changes that you made and then click “Commit to main”</a:t>
+            </a:r>
+          </a:p>
+        </p:txBody>
+      </p:sp>
+      <p:sp>
+        <p:nvSpPr>
+          <p:cNvPr id="4" name="Slide Number Placeholder 3"/>
+          <p:cNvSpPr>
+            <a:spLocks noGrp="1"/>
+          </p:cNvSpPr>
+          <p:nvPr>
+            <p:ph type="sldNum" sz="quarter" idx="10"/>
+          </p:nvPr>
+        </p:nvSpPr>
+        <p:spPr/>
+        <p:txBody>
+          <a:bodyPr/>
+          <a:lstStyle/>
+          <a:p>
+            <a:fld id="{18BDFEC3-8487-43E8-A154-7C12CBC1FFF2}" type="slidenum">
+              <a:rPr lang="en-US"/>
+              <a:t>25</a:t>
+            </a:fld>
+            <a:endParaRPr lang="en-US"/>
+          </a:p>
+        </p:txBody>
+      </p:sp>
+    </p:spTree>
+  </p:cSld>
+</p:notes>
+</file>
+
+<file path=ppt/notesSlides/notesSlide2.xml><?xml version="1.0" encoding="utf-8"?>
+<p:notes xmlns:a="http://schemas.openxmlformats.org/drawingml/2006/main" xmlns:r="http://schemas.openxmlformats.org/officeDocument/2006/relationships" xmlns:p="http://schemas.openxmlformats.org/presentationml/2006/main">
+  <p:cSld>
+    <p:spTree>
+      <p:nvGrpSpPr>
+        <p:cNvPr id="1" name=""/>
+        <p:cNvGrpSpPr/>
+        <p:nvPr/>
+      </p:nvGrpSpPr>
+      <p:grpSpPr>
+        <a:xfrm>
+          <a:off x="0" y="0"/>
+          <a:ext cx="0" cy="0"/>
+          <a:chOff x="0" y="0"/>
+          <a:chExt cx="0" cy="0"/>
+        </a:xfrm>
+      </p:grpSpPr>
+      <p:sp>
+        <p:nvSpPr>
+          <p:cNvPr id="2" name="Slide Image Placeholder 1"/>
+          <p:cNvSpPr>
+            <a:spLocks noGrp="1" noRot="1" noChangeAspect="1"/>
+          </p:cNvSpPr>
+          <p:nvPr>
+            <p:ph type="sldImg"/>
+          </p:nvPr>
+        </p:nvSpPr>
+        <p:spPr/>
+      </p:sp>
+      <p:sp>
+        <p:nvSpPr>
+          <p:cNvPr id="3" name="Notes Placeholder 2"/>
+          <p:cNvSpPr>
+            <a:spLocks noGrp="1"/>
+          </p:cNvSpPr>
+          <p:nvPr>
+            <p:ph type="body" idx="1"/>
+          </p:nvPr>
+        </p:nvSpPr>
+        <p:spPr/>
+        <p:txBody>
+          <a:bodyPr/>
+          <a:lstStyle/>
+          <a:p>
+            <a:pPr lvl="0" indent="0" marL="0">
+              <a:buNone/>
+            </a:pPr>
+            <a:r>
+              <a:rPr/>
+              <a:t>Fundamentally, git is about “version control” - Data analysis tasks are often long-term efforts - They usually require input from multiple people - You must be able to go back and replicate results or tweak methods Version control creates a detailed, permanent record of this process - This helps to avoid devastating loss/failure - Tracks changes and allows users to easily view (or restore) older versions - Repos can be kept private or made public, allowing users to easily share their data and code publicly</a:t>
+            </a:r>
+          </a:p>
+        </p:txBody>
+      </p:sp>
+      <p:sp>
+        <p:nvSpPr>
+          <p:cNvPr id="4" name="Slide Number Placeholder 3"/>
+          <p:cNvSpPr>
+            <a:spLocks noGrp="1"/>
+          </p:cNvSpPr>
+          <p:nvPr>
+            <p:ph type="sldNum" sz="quarter" idx="10"/>
+          </p:nvPr>
+        </p:nvSpPr>
+        <p:spPr/>
+        <p:txBody>
+          <a:bodyPr/>
+          <a:lstStyle/>
+          <a:p>
+            <a:fld id="{18BDFEC3-8487-43E8-A154-7C12CBC1FFF2}" type="slidenum">
+              <a:rPr lang="en-US"/>
+              <a:t>3</a:t>
+            </a:fld>
+            <a:endParaRPr lang="en-US"/>
+          </a:p>
+        </p:txBody>
+      </p:sp>
+    </p:spTree>
+  </p:cSld>
+</p:notes>
+</file>
+
+<file path=ppt/notesSlides/notesSlide20.xml><?xml version="1.0" encoding="utf-8"?>
+<p:notes xmlns:a="http://schemas.openxmlformats.org/drawingml/2006/main" xmlns:r="http://schemas.openxmlformats.org/officeDocument/2006/relationships" xmlns:p="http://schemas.openxmlformats.org/presentationml/2006/main">
+  <p:cSld>
+    <p:spTree>
+      <p:nvGrpSpPr>
+        <p:cNvPr id="1" name=""/>
+        <p:cNvGrpSpPr/>
+        <p:nvPr/>
+      </p:nvGrpSpPr>
+      <p:grpSpPr>
+        <a:xfrm>
+          <a:off x="0" y="0"/>
+          <a:ext cx="0" cy="0"/>
+          <a:chOff x="0" y="0"/>
+          <a:chExt cx="0" cy="0"/>
+        </a:xfrm>
+      </p:grpSpPr>
+      <p:sp>
+        <p:nvSpPr>
+          <p:cNvPr id="2" name="Slide Image Placeholder 1"/>
+          <p:cNvSpPr>
+            <a:spLocks noGrp="1" noRot="1" noChangeAspect="1"/>
+          </p:cNvSpPr>
+          <p:nvPr>
+            <p:ph type="sldImg"/>
+          </p:nvPr>
+        </p:nvSpPr>
+        <p:spPr/>
+      </p:sp>
+      <p:sp>
+        <p:nvSpPr>
+          <p:cNvPr id="3" name="Notes Placeholder 2"/>
+          <p:cNvSpPr>
+            <a:spLocks noGrp="1"/>
+          </p:cNvSpPr>
+          <p:nvPr>
+            <p:ph type="body" idx="1"/>
+          </p:nvPr>
+        </p:nvSpPr>
+        <p:spPr/>
+        <p:txBody>
+          <a:bodyPr/>
+          <a:lstStyle/>
+          <a:p>
+            <a:pPr lvl="0" indent="0" marL="0">
+              <a:buNone/>
+            </a:pPr>
+            <a:r>
+              <a:rPr/>
+              <a:t>Now you have made your first commit, push it to the “origin”, which is the remote version of the repo on Github.com Those changes should now appear on the repo’s page on Github.com</a:t>
+            </a:r>
+          </a:p>
+        </p:txBody>
+      </p:sp>
+      <p:sp>
+        <p:nvSpPr>
+          <p:cNvPr id="4" name="Slide Number Placeholder 3"/>
+          <p:cNvSpPr>
+            <a:spLocks noGrp="1"/>
+          </p:cNvSpPr>
+          <p:nvPr>
+            <p:ph type="sldNum" sz="quarter" idx="10"/>
+          </p:nvPr>
+        </p:nvSpPr>
+        <p:spPr/>
+        <p:txBody>
+          <a:bodyPr/>
+          <a:lstStyle/>
+          <a:p>
+            <a:fld id="{18BDFEC3-8487-43E8-A154-7C12CBC1FFF2}" type="slidenum">
+              <a:rPr lang="en-US"/>
+              <a:t>26</a:t>
+            </a:fld>
+            <a:endParaRPr lang="en-US"/>
+          </a:p>
+        </p:txBody>
+      </p:sp>
+    </p:spTree>
+  </p:cSld>
+</p:notes>
+</file>
+
+<file path=ppt/notesSlides/notesSlide21.xml><?xml version="1.0" encoding="utf-8"?>
+<p:notes xmlns:a="http://schemas.openxmlformats.org/drawingml/2006/main" xmlns:r="http://schemas.openxmlformats.org/officeDocument/2006/relationships" xmlns:p="http://schemas.openxmlformats.org/presentationml/2006/main">
+  <p:cSld>
+    <p:spTree>
+      <p:nvGrpSpPr>
+        <p:cNvPr id="1" name=""/>
+        <p:cNvGrpSpPr/>
+        <p:nvPr/>
+      </p:nvGrpSpPr>
+      <p:grpSpPr>
+        <a:xfrm>
+          <a:off x="0" y="0"/>
+          <a:ext cx="0" cy="0"/>
+          <a:chOff x="0" y="0"/>
+          <a:chExt cx="0" cy="0"/>
+        </a:xfrm>
+      </p:grpSpPr>
+      <p:sp>
+        <p:nvSpPr>
+          <p:cNvPr id="2" name="Slide Image Placeholder 1"/>
+          <p:cNvSpPr>
+            <a:spLocks noGrp="1" noRot="1" noChangeAspect="1"/>
+          </p:cNvSpPr>
+          <p:nvPr>
+            <p:ph type="sldImg"/>
+          </p:nvPr>
+        </p:nvSpPr>
+        <p:spPr/>
+      </p:sp>
+      <p:sp>
+        <p:nvSpPr>
+          <p:cNvPr id="3" name="Notes Placeholder 2"/>
+          <p:cNvSpPr>
+            <a:spLocks noGrp="1"/>
+          </p:cNvSpPr>
+          <p:nvPr>
+            <p:ph type="body" idx="1"/>
+          </p:nvPr>
+        </p:nvSpPr>
+        <p:spPr/>
+        <p:txBody>
+          <a:bodyPr/>
+          <a:lstStyle/>
+          <a:p>
+            <a:pPr lvl="0" indent="0" marL="0">
+              <a:buNone/>
+            </a:pPr>
+            <a:r>
+              <a:rPr/>
+              <a:t>When colleagues push a commit to the repo, you can pull their commit by clicking “Pull origin” Make sure to pull any commits before you start working; this will make sure you are working on the most recent version of your project</a:t>
+            </a:r>
+          </a:p>
+        </p:txBody>
+      </p:sp>
+      <p:sp>
+        <p:nvSpPr>
+          <p:cNvPr id="4" name="Slide Number Placeholder 3"/>
+          <p:cNvSpPr>
+            <a:spLocks noGrp="1"/>
+          </p:cNvSpPr>
+          <p:nvPr>
+            <p:ph type="sldNum" sz="quarter" idx="10"/>
+          </p:nvPr>
+        </p:nvSpPr>
+        <p:spPr/>
+        <p:txBody>
+          <a:bodyPr/>
+          <a:lstStyle/>
+          <a:p>
+            <a:fld id="{18BDFEC3-8487-43E8-A154-7C12CBC1FFF2}" type="slidenum">
+              <a:rPr lang="en-US"/>
+              <a:t>27</a:t>
+            </a:fld>
+            <a:endParaRPr lang="en-US"/>
+          </a:p>
+        </p:txBody>
+      </p:sp>
+    </p:spTree>
+  </p:cSld>
+</p:notes>
+</file>
+
+<file path=ppt/notesSlides/notesSlide3.xml><?xml version="1.0" encoding="utf-8"?>
+<p:notes xmlns:a="http://schemas.openxmlformats.org/drawingml/2006/main" xmlns:r="http://schemas.openxmlformats.org/officeDocument/2006/relationships" xmlns:p="http://schemas.openxmlformats.org/presentationml/2006/main">
+  <p:cSld>
+    <p:spTree>
+      <p:nvGrpSpPr>
+        <p:cNvPr id="1" name=""/>
+        <p:cNvGrpSpPr/>
+        <p:nvPr/>
+      </p:nvGrpSpPr>
+      <p:grpSpPr>
+        <a:xfrm>
+          <a:off x="0" y="0"/>
+          <a:ext cx="0" cy="0"/>
+          <a:chOff x="0" y="0"/>
+          <a:chExt cx="0" cy="0"/>
+        </a:xfrm>
+      </p:grpSpPr>
+      <p:sp>
+        <p:nvSpPr>
+          <p:cNvPr id="2" name="Slide Image Placeholder 1"/>
+          <p:cNvSpPr>
+            <a:spLocks noGrp="1" noRot="1" noChangeAspect="1"/>
+          </p:cNvSpPr>
+          <p:nvPr>
+            <p:ph type="sldImg"/>
+          </p:nvPr>
+        </p:nvSpPr>
+        <p:spPr/>
+      </p:sp>
+      <p:sp>
+        <p:nvSpPr>
+          <p:cNvPr id="3" name="Notes Placeholder 2"/>
+          <p:cNvSpPr>
+            <a:spLocks noGrp="1"/>
+          </p:cNvSpPr>
+          <p:nvPr>
+            <p:ph type="body" idx="1"/>
+          </p:nvPr>
+        </p:nvSpPr>
+        <p:spPr/>
+        <p:txBody>
+          <a:bodyPr/>
+          <a:lstStyle/>
+          <a:p>
+            <a:pPr lvl="0" indent="0" marL="0">
+              <a:buNone/>
+            </a:pPr>
+            <a:r>
+              <a:rPr/>
+              <a:t>Git revolves around folders called repositories (or repos) - Data and code for individual projects are stored in a dedicated repo - The repo is hosted remotely on github.com - Repos exist on your harddrive as a normal folder (usually within a larger folder that includes all active git repositories you are working on) - Users make changes locally, record them as a “commit”, which is a record of any changes you have made, and “push” them to the remote version - Users can “pull” changes made by others from the remote version down to their local copy</a:t>
+            </a:r>
+          </a:p>
+        </p:txBody>
+      </p:sp>
+      <p:sp>
+        <p:nvSpPr>
+          <p:cNvPr id="4" name="Slide Number Placeholder 3"/>
+          <p:cNvSpPr>
+            <a:spLocks noGrp="1"/>
+          </p:cNvSpPr>
+          <p:nvPr>
+            <p:ph type="sldNum" sz="quarter" idx="10"/>
+          </p:nvPr>
+        </p:nvSpPr>
+        <p:spPr/>
+        <p:txBody>
+          <a:bodyPr/>
+          <a:lstStyle/>
+          <a:p>
+            <a:fld id="{18BDFEC3-8487-43E8-A154-7C12CBC1FFF2}" type="slidenum">
+              <a:rPr lang="en-US"/>
+              <a:t>4</a:t>
+            </a:fld>
+            <a:endParaRPr lang="en-US"/>
+          </a:p>
+        </p:txBody>
+      </p:sp>
+    </p:spTree>
+  </p:cSld>
+</p:notes>
+</file>
+
+<file path=ppt/notesSlides/notesSlide4.xml><?xml version="1.0" encoding="utf-8"?>
+<p:notes xmlns:a="http://schemas.openxmlformats.org/drawingml/2006/main" xmlns:r="http://schemas.openxmlformats.org/officeDocument/2006/relationships" xmlns:p="http://schemas.openxmlformats.org/presentationml/2006/main">
+  <p:cSld>
+    <p:spTree>
+      <p:nvGrpSpPr>
+        <p:cNvPr id="1" name=""/>
+        <p:cNvGrpSpPr/>
+        <p:nvPr/>
+      </p:nvGrpSpPr>
+      <p:grpSpPr>
+        <a:xfrm>
+          <a:off x="0" y="0"/>
+          <a:ext cx="0" cy="0"/>
+          <a:chOff x="0" y="0"/>
+          <a:chExt cx="0" cy="0"/>
+        </a:xfrm>
+      </p:grpSpPr>
+      <p:sp>
+        <p:nvSpPr>
+          <p:cNvPr id="2" name="Slide Image Placeholder 1"/>
+          <p:cNvSpPr>
+            <a:spLocks noGrp="1" noRot="1" noChangeAspect="1"/>
+          </p:cNvSpPr>
+          <p:nvPr>
+            <p:ph type="sldImg"/>
+          </p:nvPr>
+        </p:nvSpPr>
+        <p:spPr/>
+      </p:sp>
+      <p:sp>
+        <p:nvSpPr>
+          <p:cNvPr id="3" name="Notes Placeholder 2"/>
+          <p:cNvSpPr>
+            <a:spLocks noGrp="1"/>
+          </p:cNvSpPr>
+          <p:nvPr>
+            <p:ph type="body" idx="1"/>
+          </p:nvPr>
+        </p:nvSpPr>
+        <p:spPr/>
+        <p:txBody>
+          <a:bodyPr/>
+          <a:lstStyle/>
+          <a:p>
+            <a:pPr lvl="0" indent="0" marL="0">
+              <a:buNone/>
+            </a:pPr>
+            <a:r>
+              <a:rPr/>
+              <a:t>Git works mostly in the background - Before you start working, pull any changes that exist on the remote version but not on your local copy - Create/add/edit/delete files as you normally would if you were not using git - For example, you can edit files containing code by using RStudio or VSCode, or create or edit a spreadsheet using Excel - Once you’ve accomplished a task or want to walk away for the day, record the changes you’ve made (which we’ll cover below) and then push your changes to the remote version Collaboration - Git is great for collaboration because it keeps precise track of who has made changes - However, simultaneous editing of the </a:t>
+            </a:r>
+            <a:r>
+              <a:rPr i="1"/>
+              <a:t>same file</a:t>
+            </a:r>
+            <a:r>
+              <a:rPr/>
+              <a:t> can cause challenges, and beginners should avoid doing so</a:t>
+            </a:r>
+          </a:p>
+        </p:txBody>
+      </p:sp>
+      <p:sp>
+        <p:nvSpPr>
+          <p:cNvPr id="4" name="Slide Number Placeholder 3"/>
+          <p:cNvSpPr>
+            <a:spLocks noGrp="1"/>
+          </p:cNvSpPr>
+          <p:nvPr>
+            <p:ph type="sldNum" sz="quarter" idx="10"/>
+          </p:nvPr>
+        </p:nvSpPr>
+        <p:spPr/>
+        <p:txBody>
+          <a:bodyPr/>
+          <a:lstStyle/>
+          <a:p>
+            <a:fld id="{18BDFEC3-8487-43E8-A154-7C12CBC1FFF2}" type="slidenum">
+              <a:rPr lang="en-US"/>
+              <a:t>5</a:t>
+            </a:fld>
+            <a:endParaRPr lang="en-US"/>
+          </a:p>
+        </p:txBody>
+      </p:sp>
+    </p:spTree>
+  </p:cSld>
+</p:notes>
+</file>
+
+<file path=ppt/notesSlides/notesSlide5.xml><?xml version="1.0" encoding="utf-8"?>
+<p:notes xmlns:a="http://schemas.openxmlformats.org/drawingml/2006/main" xmlns:r="http://schemas.openxmlformats.org/officeDocument/2006/relationships" xmlns:p="http://schemas.openxmlformats.org/presentationml/2006/main">
+  <p:cSld>
+    <p:spTree>
+      <p:nvGrpSpPr>
+        <p:cNvPr id="1" name=""/>
+        <p:cNvGrpSpPr/>
+        <p:nvPr/>
+      </p:nvGrpSpPr>
+      <p:grpSpPr>
+        <a:xfrm>
+          <a:off x="0" y="0"/>
+          <a:ext cx="0" cy="0"/>
+          <a:chOff x="0" y="0"/>
+          <a:chExt cx="0" cy="0"/>
+        </a:xfrm>
+      </p:grpSpPr>
+      <p:sp>
+        <p:nvSpPr>
+          <p:cNvPr id="2" name="Slide Image Placeholder 1"/>
+          <p:cNvSpPr>
+            <a:spLocks noGrp="1" noRot="1" noChangeAspect="1"/>
+          </p:cNvSpPr>
+          <p:nvPr>
+            <p:ph type="sldImg"/>
+          </p:nvPr>
+        </p:nvSpPr>
+        <p:spPr/>
+      </p:sp>
+      <p:sp>
+        <p:nvSpPr>
+          <p:cNvPr id="3" name="Notes Placeholder 2"/>
+          <p:cNvSpPr>
+            <a:spLocks noGrp="1"/>
+          </p:cNvSpPr>
+          <p:nvPr>
+            <p:ph type="body" idx="1"/>
+          </p:nvPr>
+        </p:nvSpPr>
+        <p:spPr/>
+        <p:txBody>
+          <a:bodyPr/>
+          <a:lstStyle/>
+          <a:p>
+            <a:pPr lvl="0" indent="0" marL="0">
+              <a:buNone/>
+            </a:pPr>
+            <a:r>
+              <a:rPr/>
+              <a:t>Beginners only need to know a few commands; in this tutorial, we’ll use a software client that implements these commands for us using easy point-and-click software - Main refers to the man version of the repository (advanced users might create multiple versions, or branches, of a repo, but we don’t need to worry about that here) - Start a work session by using pull to get any updates (aka “commits”) that were pushed by a colleague (or by you on a different computer) - Use add to tell Git that you have made changes that you want to record - Use commit to record those changes and write a brief message explaining what you did - Push your commit(s) to the remove version on Github.com</a:t>
+            </a:r>
+          </a:p>
+        </p:txBody>
+      </p:sp>
+      <p:sp>
+        <p:nvSpPr>
+          <p:cNvPr id="4" name="Slide Number Placeholder 3"/>
+          <p:cNvSpPr>
+            <a:spLocks noGrp="1"/>
+          </p:cNvSpPr>
+          <p:nvPr>
+            <p:ph type="sldNum" sz="quarter" idx="10"/>
+          </p:nvPr>
+        </p:nvSpPr>
+        <p:spPr/>
+        <p:txBody>
+          <a:bodyPr/>
+          <a:lstStyle/>
+          <a:p>
+            <a:fld id="{18BDFEC3-8487-43E8-A154-7C12CBC1FFF2}" type="slidenum">
+              <a:rPr lang="en-US"/>
+              <a:t>6</a:t>
+            </a:fld>
+            <a:endParaRPr lang="en-US"/>
+          </a:p>
+        </p:txBody>
+      </p:sp>
+    </p:spTree>
+  </p:cSld>
+</p:notes>
+</file>
+
+<file path=ppt/notesSlides/notesSlide6.xml><?xml version="1.0" encoding="utf-8"?>
+<p:notes xmlns:a="http://schemas.openxmlformats.org/drawingml/2006/main" xmlns:r="http://schemas.openxmlformats.org/officeDocument/2006/relationships" xmlns:p="http://schemas.openxmlformats.org/presentationml/2006/main">
+  <p:cSld>
+    <p:spTree>
+      <p:nvGrpSpPr>
+        <p:cNvPr id="1" name=""/>
+        <p:cNvGrpSpPr/>
+        <p:nvPr/>
+      </p:nvGrpSpPr>
+      <p:grpSpPr>
+        <a:xfrm>
+          <a:off x="0" y="0"/>
+          <a:ext cx="0" cy="0"/>
+          <a:chOff x="0" y="0"/>
+          <a:chExt cx="0" cy="0"/>
+        </a:xfrm>
+      </p:grpSpPr>
+      <p:sp>
+        <p:nvSpPr>
+          <p:cNvPr id="2" name="Slide Image Placeholder 1"/>
+          <p:cNvSpPr>
+            <a:spLocks noGrp="1" noRot="1" noChangeAspect="1"/>
+          </p:cNvSpPr>
+          <p:nvPr>
+            <p:ph type="sldImg"/>
+          </p:nvPr>
+        </p:nvSpPr>
+        <p:spPr/>
+      </p:sp>
+      <p:sp>
+        <p:nvSpPr>
+          <p:cNvPr id="3" name="Notes Placeholder 2"/>
+          <p:cNvSpPr>
+            <a:spLocks noGrp="1"/>
+          </p:cNvSpPr>
+          <p:nvPr>
+            <p:ph type="body" idx="1"/>
+          </p:nvPr>
+        </p:nvSpPr>
+        <p:spPr/>
+        <p:txBody>
+          <a:bodyPr/>
+          <a:lstStyle/>
+          <a:p>
+            <a:pPr lvl="0" indent="0" marL="0">
+              <a:buNone/>
+            </a:pPr>
+            <a:r>
+              <a:rPr/>
+              <a:t>While the basic functionality of git is important for data analysis projects, it is important to note that it is often used by large teams developing very sophisticated software, and has many features aimed toward more complicated use. Luckily, there is a massive online community that can help guide new users through the process of using and learning</a:t>
+            </a:r>
+          </a:p>
+        </p:txBody>
+      </p:sp>
+      <p:sp>
+        <p:nvSpPr>
+          <p:cNvPr id="4" name="Slide Number Placeholder 3"/>
+          <p:cNvSpPr>
+            <a:spLocks noGrp="1"/>
+          </p:cNvSpPr>
+          <p:nvPr>
+            <p:ph type="sldNum" sz="quarter" idx="10"/>
+          </p:nvPr>
+        </p:nvSpPr>
+        <p:spPr/>
+        <p:txBody>
+          <a:bodyPr/>
+          <a:lstStyle/>
+          <a:p>
+            <a:fld id="{18BDFEC3-8487-43E8-A154-7C12CBC1FFF2}" type="slidenum">
+              <a:rPr lang="en-US"/>
+              <a:t>7</a:t>
+            </a:fld>
+            <a:endParaRPr lang="en-US"/>
+          </a:p>
+        </p:txBody>
+      </p:sp>
+    </p:spTree>
+  </p:cSld>
+</p:notes>
+</file>
+
+<file path=ppt/notesSlides/notesSlide7.xml><?xml version="1.0" encoding="utf-8"?>
+<p:notes xmlns:a="http://schemas.openxmlformats.org/drawingml/2006/main" xmlns:r="http://schemas.openxmlformats.org/officeDocument/2006/relationships" xmlns:p="http://schemas.openxmlformats.org/presentationml/2006/main">
+  <p:cSld>
+    <p:spTree>
+      <p:nvGrpSpPr>
+        <p:cNvPr id="1" name=""/>
+        <p:cNvGrpSpPr/>
+        <p:nvPr/>
+      </p:nvGrpSpPr>
+      <p:grpSpPr>
+        <a:xfrm>
+          <a:off x="0" y="0"/>
+          <a:ext cx="0" cy="0"/>
+          <a:chOff x="0" y="0"/>
+          <a:chExt cx="0" cy="0"/>
+        </a:xfrm>
+      </p:grpSpPr>
+      <p:sp>
+        <p:nvSpPr>
+          <p:cNvPr id="2" name="Slide Image Placeholder 1"/>
+          <p:cNvSpPr>
+            <a:spLocks noGrp="1" noRot="1" noChangeAspect="1"/>
+          </p:cNvSpPr>
+          <p:nvPr>
+            <p:ph type="sldImg"/>
+          </p:nvPr>
+        </p:nvSpPr>
+        <p:spPr/>
+      </p:sp>
+      <p:sp>
+        <p:nvSpPr>
+          <p:cNvPr id="3" name="Notes Placeholder 2"/>
+          <p:cNvSpPr>
+            <a:spLocks noGrp="1"/>
+          </p:cNvSpPr>
+          <p:nvPr>
+            <p:ph type="body" idx="1"/>
+          </p:nvPr>
+        </p:nvSpPr>
+        <p:spPr/>
+        <p:txBody>
+          <a:bodyPr/>
+          <a:lstStyle/>
+          <a:p>
+            <a:pPr lvl="0" indent="0" marL="0">
+              <a:buNone/>
+            </a:pPr>
+            <a:r>
+              <a:rPr/>
+              <a:t>Signing up for github is free, you just need to visit github.com and follow the instructions Make sure to pick a username for the account. This is like a social media handle that will allow others to find your data analysis projects online If you plan to use git as a team, you may want to create one account for your organization, while all colleagues that will interact with repos hosted on the organization account should create personal accounts</a:t>
+            </a:r>
+          </a:p>
+        </p:txBody>
+      </p:sp>
+      <p:sp>
+        <p:nvSpPr>
+          <p:cNvPr id="4" name="Slide Number Placeholder 3"/>
+          <p:cNvSpPr>
+            <a:spLocks noGrp="1"/>
+          </p:cNvSpPr>
+          <p:nvPr>
+            <p:ph type="sldNum" sz="quarter" idx="10"/>
+          </p:nvPr>
+        </p:nvSpPr>
+        <p:spPr/>
+        <p:txBody>
+          <a:bodyPr/>
+          <a:lstStyle/>
+          <a:p>
+            <a:fld id="{18BDFEC3-8487-43E8-A154-7C12CBC1FFF2}" type="slidenum">
+              <a:rPr lang="en-US"/>
+              <a:t>8</a:t>
+            </a:fld>
+            <a:endParaRPr lang="en-US"/>
+          </a:p>
+        </p:txBody>
+      </p:sp>
+    </p:spTree>
+  </p:cSld>
+</p:notes>
+</file>
+
+<file path=ppt/notesSlides/notesSlide8.xml><?xml version="1.0" encoding="utf-8"?>
+<p:notes xmlns:a="http://schemas.openxmlformats.org/drawingml/2006/main" xmlns:r="http://schemas.openxmlformats.org/officeDocument/2006/relationships" xmlns:p="http://schemas.openxmlformats.org/presentationml/2006/main">
+  <p:cSld>
+    <p:spTree>
+      <p:nvGrpSpPr>
+        <p:cNvPr id="1" name=""/>
+        <p:cNvGrpSpPr/>
+        <p:nvPr/>
+      </p:nvGrpSpPr>
+      <p:grpSpPr>
+        <a:xfrm>
+          <a:off x="0" y="0"/>
+          <a:ext cx="0" cy="0"/>
+          <a:chOff x="0" y="0"/>
+          <a:chExt cx="0" cy="0"/>
+        </a:xfrm>
+      </p:grpSpPr>
+      <p:sp>
+        <p:nvSpPr>
+          <p:cNvPr id="2" name="Slide Image Placeholder 1"/>
+          <p:cNvSpPr>
+            <a:spLocks noGrp="1" noRot="1" noChangeAspect="1"/>
+          </p:cNvSpPr>
+          <p:nvPr>
+            <p:ph type="sldImg"/>
+          </p:nvPr>
+        </p:nvSpPr>
+        <p:spPr/>
+      </p:sp>
+      <p:sp>
+        <p:nvSpPr>
+          <p:cNvPr id="3" name="Notes Placeholder 2"/>
+          <p:cNvSpPr>
+            <a:spLocks noGrp="1"/>
+          </p:cNvSpPr>
+          <p:nvPr>
+            <p:ph type="body" idx="1"/>
+          </p:nvPr>
+        </p:nvSpPr>
+        <p:spPr/>
+        <p:txBody>
+          <a:bodyPr/>
+          <a:lstStyle/>
+          <a:p>
+            <a:pPr lvl="0" indent="0" marL="0">
+              <a:buNone/>
+            </a:pPr>
+            <a:r>
+              <a:rPr/>
+              <a:t>Once you’ve signed-up for a Github account, you need to install git on your machine - Begin by checking to see if you have git installed - Open a terminal window (aka command prompt); you can search for “terminal” on Windows or Mac - Type git –version into the prompt and hit Enter - If you don’t have it installed, you’ll get an error that looks like this</a:t>
+            </a:r>
+          </a:p>
+        </p:txBody>
+      </p:sp>
+      <p:sp>
+        <p:nvSpPr>
+          <p:cNvPr id="4" name="Slide Number Placeholder 3"/>
+          <p:cNvSpPr>
+            <a:spLocks noGrp="1"/>
+          </p:cNvSpPr>
+          <p:nvPr>
+            <p:ph type="sldNum" sz="quarter" idx="10"/>
+          </p:nvPr>
+        </p:nvSpPr>
+        <p:spPr/>
+        <p:txBody>
+          <a:bodyPr/>
+          <a:lstStyle/>
+          <a:p>
+            <a:fld id="{18BDFEC3-8487-43E8-A154-7C12CBC1FFF2}" type="slidenum">
+              <a:rPr lang="en-US"/>
+              <a:t>9</a:t>
+            </a:fld>
+            <a:endParaRPr lang="en-US"/>
+          </a:p>
+        </p:txBody>
+      </p:sp>
+    </p:spTree>
+  </p:cSld>
+</p:notes>
+</file>
+
+<file path=ppt/notesSlides/notesSlide9.xml><?xml version="1.0" encoding="utf-8"?>
+<p:notes xmlns:a="http://schemas.openxmlformats.org/drawingml/2006/main" xmlns:r="http://schemas.openxmlformats.org/officeDocument/2006/relationships" xmlns:p="http://schemas.openxmlformats.org/presentationml/2006/main">
+  <p:cSld>
+    <p:spTree>
+      <p:nvGrpSpPr>
+        <p:cNvPr id="1" name=""/>
+        <p:cNvGrpSpPr/>
+        <p:nvPr/>
+      </p:nvGrpSpPr>
+      <p:grpSpPr>
+        <a:xfrm>
+          <a:off x="0" y="0"/>
+          <a:ext cx="0" cy="0"/>
+          <a:chOff x="0" y="0"/>
+          <a:chExt cx="0" cy="0"/>
+        </a:xfrm>
+      </p:grpSpPr>
+      <p:sp>
+        <p:nvSpPr>
+          <p:cNvPr id="2" name="Slide Image Placeholder 1"/>
+          <p:cNvSpPr>
+            <a:spLocks noGrp="1" noRot="1" noChangeAspect="1"/>
+          </p:cNvSpPr>
+          <p:nvPr>
+            <p:ph type="sldImg"/>
+          </p:nvPr>
+        </p:nvSpPr>
+        <p:spPr/>
+      </p:sp>
+      <p:sp>
+        <p:nvSpPr>
+          <p:cNvPr id="3" name="Notes Placeholder 2"/>
+          <p:cNvSpPr>
+            <a:spLocks noGrp="1"/>
+          </p:cNvSpPr>
+          <p:nvPr>
+            <p:ph type="body" idx="1"/>
+          </p:nvPr>
+        </p:nvSpPr>
+        <p:spPr/>
+        <p:txBody>
+          <a:bodyPr/>
+          <a:lstStyle/>
+          <a:p>
+            <a:pPr lvl="0" indent="0" marL="0">
+              <a:buNone/>
+            </a:pPr>
+            <a:r>
+              <a:rPr/>
+              <a:t>If you don’t have Git installed, Mac will offer to install it for you. Just click Install - If you are on Windows, you will need to install yourself by visiting gitforwindows.org - Click “Download”, which will install an exe file on your harddrive. Double-click the exe file and follow the instructions</a:t>
+            </a:r>
+          </a:p>
+        </p:txBody>
+      </p:sp>
+      <p:sp>
+        <p:nvSpPr>
+          <p:cNvPr id="4" name="Slide Number Placeholder 3"/>
+          <p:cNvSpPr>
+            <a:spLocks noGrp="1"/>
+          </p:cNvSpPr>
+          <p:nvPr>
+            <p:ph type="sldNum" sz="quarter" idx="10"/>
+          </p:nvPr>
+        </p:nvSpPr>
+        <p:spPr/>
+        <p:txBody>
+          <a:bodyPr/>
+          <a:lstStyle/>
+          <a:p>
+            <a:fld id="{18BDFEC3-8487-43E8-A154-7C12CBC1FFF2}" type="slidenum">
+              <a:rPr lang="en-US"/>
+              <a:t>10</a:t>
             </a:fld>
             <a:endParaRPr lang="en-US"/>
           </a:p>
@@ -3622,7 +5285,12 @@
             <p:ph type="title"/>
           </p:nvPr>
         </p:nvSpPr>
-        <p:spPr/>
+        <p:spPr>
+          <a:xfrm>
+            <a:off x="457201" y="204787"/>
+            <a:ext cx="3008313" cy="871538"/>
+          </a:xfrm>
+        </p:spPr>
         <p:txBody>
           <a:bodyPr/>
           <a:lstStyle/>
@@ -3633,28 +5301,76 @@
             <a:r>
               <a:rPr/>
               <a:t>Installing git</a:t>
+            </a:r>
+          </a:p>
+        </p:txBody>
+      </p:sp>
+      <p:sp>
+        <p:nvSpPr>
+          <p:cNvPr id="4" name="Text Placeholder 3"/>
+          <p:cNvSpPr>
+            <a:spLocks noGrp="1"/>
+          </p:cNvSpPr>
+          <p:nvPr>
+            <p:ph idx="2" sz="half" type="body"/>
+          </p:nvPr>
+        </p:nvSpPr>
+        <p:spPr/>
+        <p:txBody>
+          <a:bodyPr/>
+          <a:lstStyle/>
+          <a:p>
+            <a:pPr lvl="0" indent="0" marL="0">
+              <a:buNone/>
+            </a:pPr>
+            <a:r>
+              <a:rPr b="1"/>
+              <a:t>If no, install git</a:t>
+            </a:r>
+          </a:p>
+          <a:p>
+            <a:pPr lvl="0"/>
+            <a:r>
+              <a:rPr/>
+              <a:t>Visit </a:t>
+            </a:r>
+            <a:r>
+              <a:rPr>
+                <a:hlinkClick r:id="rId3"/>
+              </a:rPr>
+              <a:t>gitforwindows.org</a:t>
+            </a:r>
+            <a:r>
+              <a:rPr/>
+              <a:t>, click “Download”, then double-click the </a:t>
+            </a:r>
+            <a:r>
+              <a:rPr>
+                <a:latin typeface="Courier"/>
+              </a:rPr>
+              <a:t>.exe</a:t>
             </a:r>
           </a:p>
         </p:txBody>
       </p:sp>
       <p:pic>
         <p:nvPicPr>
-          <p:cNvPr descr="img/git_installed.png" id="0" name="Picture 1"/>
+          <p:cNvPr descr="img/git_exe.png" id="0" name="Picture 1"/>
           <p:cNvPicPr>
             <a:picLocks noGrp="1" noChangeAspect="1"/>
           </p:cNvPicPr>
           <p:nvPr/>
         </p:nvPicPr>
         <p:blipFill>
-          <a:blip r:embed="rId2"/>
+          <a:blip r:embed="rId4"/>
           <a:stretch>
             <a:fillRect/>
           </a:stretch>
         </p:blipFill>
         <p:spPr bwMode="auto">
           <a:xfrm>
-            <a:off x="1473200" y="1193800"/>
-            <a:ext cx="6197600" cy="3390900"/>
+            <a:off x="3568700" y="1409700"/>
+            <a:ext cx="5105400" cy="1955800"/>
           </a:xfrm>
           <a:prstGeom prst="rect">
             <a:avLst/>
@@ -3709,123 +5425,41 @@
             </a:pPr>
             <a:r>
               <a:rPr/>
-              <a:t>git Basics</a:t>
-            </a:r>
-          </a:p>
-        </p:txBody>
-      </p:sp>
-      <p:sp>
-        <p:nvSpPr>
-          <p:cNvPr id="3" name="Content Placeholder 2"/>
-          <p:cNvSpPr>
-            <a:spLocks noGrp="1"/>
-          </p:cNvSpPr>
-          <p:nvPr>
-            <p:ph idx="1"/>
-          </p:nvPr>
-        </p:nvSpPr>
-        <p:spPr/>
-        <p:txBody>
-          <a:bodyPr/>
-          <a:lstStyle/>
-          <a:p>
-            <a:pPr lvl="0" indent="0" marL="0">
-              <a:buNone/>
-            </a:pPr>
-            <a:r>
-              <a:rPr b="1"/>
-              <a:t>Git is a version control program</a:t>
-            </a:r>
-            <a:r>
-              <a:rPr/>
-              <a:t>, so you can avoid…</a:t>
-            </a:r>
-          </a:p>
-          <a:p>
-            <a:pPr lvl="0" indent="0">
-              <a:buNone/>
-            </a:pPr>
-            <a:r>
-              <a:rPr>
-                <a:solidFill>
-                  <a:srgbClr val="003B4F"/>
-                </a:solidFill>
-                <a:latin typeface="Courier"/>
-              </a:rPr>
-              <a:t>analysis.R</a:t>
-            </a:r>
-            <a:br/>
-            <a:r>
-              <a:rPr>
-                <a:solidFill>
-                  <a:srgbClr val="003B4F"/>
-                </a:solidFill>
-                <a:latin typeface="Courier"/>
-              </a:rPr>
-              <a:t>analysis_v1.R</a:t>
-            </a:r>
-            <a:br/>
-            <a:r>
-              <a:rPr>
-                <a:solidFill>
-                  <a:srgbClr val="003B4F"/>
-                </a:solidFill>
-                <a:latin typeface="Courier"/>
-              </a:rPr>
-              <a:t>analysis_v2.R</a:t>
-            </a:r>
-            <a:br/>
-            <a:r>
-              <a:rPr>
-                <a:solidFill>
-                  <a:srgbClr val="003B4F"/>
-                </a:solidFill>
-                <a:latin typeface="Courier"/>
-              </a:rPr>
-              <a:t>analysis_v2_FINAL.R</a:t>
-            </a:r>
-          </a:p>
-          <a:p>
-            <a:pPr lvl="0" indent="0" marL="0">
-              <a:buNone/>
-            </a:pPr>
-            <a:br/>
-          </a:p>
-          <a:p>
-            <a:pPr lvl="0" indent="0" marL="0">
-              <a:buNone/>
-            </a:pPr>
-            <a:r>
-              <a:rPr b="1"/>
-              <a:t>Git hosts data and code</a:t>
-            </a:r>
-          </a:p>
-          <a:p>
-            <a:pPr lvl="0"/>
-            <a:r>
-              <a:rPr/>
-              <a:t>“Remote” (</a:t>
-            </a:r>
-            <a:r>
-              <a:rPr>
-                <a:latin typeface="Courier"/>
-              </a:rPr>
-              <a:t>main</a:t>
-            </a:r>
-            <a:r>
-              <a:rPr/>
-              <a:t>) on github.com</a:t>
-            </a:r>
-          </a:p>
-          <a:p>
-            <a:pPr lvl="0"/>
-            <a:r>
-              <a:rPr/>
-              <a:t>“Local” on your harddrive(s) in a designated folder</a:t>
-            </a:r>
-          </a:p>
-        </p:txBody>
-      </p:sp>
+              <a:t>Installing git</a:t>
+            </a:r>
+          </a:p>
+        </p:txBody>
+      </p:sp>
+      <p:pic>
+        <p:nvPicPr>
+          <p:cNvPr descr="img/git_exe_window.png" id="0" name="Picture 1"/>
+          <p:cNvPicPr>
+            <a:picLocks noGrp="1" noChangeAspect="1"/>
+          </p:cNvPicPr>
+          <p:nvPr/>
+        </p:nvPicPr>
+        <p:blipFill>
+          <a:blip r:embed="rId3"/>
+          <a:stretch>
+            <a:fillRect/>
+          </a:stretch>
+        </p:blipFill>
+        <p:spPr bwMode="auto">
+          <a:xfrm>
+            <a:off x="2527300" y="1193800"/>
+            <a:ext cx="4089400" cy="3390900"/>
+          </a:xfrm>
+          <a:prstGeom prst="rect">
+            <a:avLst/>
+          </a:prstGeom>
+          <a:noFill/>
+          <a:ln w="9525">
+            <a:noFill/>
+            <a:headEnd/>
+            <a:tailEnd/>
+          </a:ln>
+        </p:spPr>
+      </p:pic>
     </p:spTree>
   </p:cSld>
 </p:sld>
@@ -3858,7 +5492,12 @@
             <p:ph type="title"/>
           </p:nvPr>
         </p:nvSpPr>
-        <p:spPr/>
+        <p:spPr>
+          <a:xfrm>
+            <a:off x="457201" y="204787"/>
+            <a:ext cx="3008313" cy="871538"/>
+          </a:xfrm>
+        </p:spPr>
         <p:txBody>
           <a:bodyPr/>
           <a:lstStyle/>
@@ -3868,19 +5507,19 @@
             </a:pPr>
             <a:r>
               <a:rPr/>
-              <a:t>git Basics</a:t>
-            </a:r>
-          </a:p>
-        </p:txBody>
-      </p:sp>
-      <p:sp>
-        <p:nvSpPr>
-          <p:cNvPr id="3" name="Content Placeholder 2"/>
-          <p:cNvSpPr>
-            <a:spLocks noGrp="1"/>
-          </p:cNvSpPr>
-          <p:nvPr>
-            <p:ph idx="1"/>
+              <a:t>Installing git</a:t>
+            </a:r>
+          </a:p>
+        </p:txBody>
+      </p:sp>
+      <p:sp>
+        <p:nvSpPr>
+          <p:cNvPr id="4" name="Text Placeholder 3"/>
+          <p:cNvSpPr>
+            <a:spLocks noGrp="1"/>
+          </p:cNvSpPr>
+          <p:nvPr>
+            <p:ph idx="2" sz="half" type="body"/>
           </p:nvPr>
         </p:nvSpPr>
         <p:spPr/>
@@ -3892,56 +5531,42 @@
               <a:buNone/>
             </a:pPr>
             <a:r>
-              <a:rPr b="1"/>
-              <a:t>Version control</a:t>
-            </a:r>
-          </a:p>
-          <a:p>
-            <a:pPr lvl="0"/>
-            <a:r>
-              <a:rPr/>
-              <a:t>Helps avoid devastating loss/failure</a:t>
-            </a:r>
-          </a:p>
-          <a:p>
-            <a:pPr lvl="0"/>
-            <a:r>
-              <a:rPr/>
-              <a:t>Precisely tracks changes and can revert to old versions</a:t>
-            </a:r>
-          </a:p>
-          <a:p>
-            <a:pPr lvl="0"/>
-            <a:r>
-              <a:rPr/>
-              <a:t>Note: everything is public by default</a:t>
-            </a:r>
-          </a:p>
-          <a:p>
-            <a:pPr lvl="0" indent="0" marL="0">
-              <a:buNone/>
-            </a:pPr>
-            <a:r>
-              <a:rPr b="1"/>
-              <a:t>Collaboration</a:t>
-            </a:r>
-          </a:p>
-          <a:p>
-            <a:pPr lvl="0"/>
-            <a:r>
-              <a:rPr/>
-              <a:t>When you collaborate, it’s clear who to blame</a:t>
-            </a:r>
-          </a:p>
-          <a:p>
-            <a:pPr lvl="0"/>
-            <a:r>
-              <a:rPr/>
-              <a:t>Simultaneous editing can cause challenges</a:t>
-            </a:r>
-          </a:p>
-        </p:txBody>
-      </p:sp>
+              <a:rPr/>
+              <a:t>Optional: Override the default branch name (select ‘main’)</a:t>
+            </a:r>
+          </a:p>
+        </p:txBody>
+      </p:sp>
+      <p:pic>
+        <p:nvPicPr>
+          <p:cNvPr descr="img/git_origin.png" id="0" name="Picture 1"/>
+          <p:cNvPicPr>
+            <a:picLocks noGrp="1" noChangeAspect="1"/>
+          </p:cNvPicPr>
+          <p:nvPr/>
+        </p:nvPicPr>
+        <p:blipFill>
+          <a:blip r:embed="rId3"/>
+          <a:stretch>
+            <a:fillRect/>
+          </a:stretch>
+        </p:blipFill>
+        <p:spPr bwMode="auto">
+          <a:xfrm>
+            <a:off x="3568700" y="266700"/>
+            <a:ext cx="5105400" cy="4241800"/>
+          </a:xfrm>
+          <a:prstGeom prst="rect">
+            <a:avLst/>
+          </a:prstGeom>
+          <a:noFill/>
+          <a:ln w="9525">
+            <a:noFill/>
+            <a:headEnd/>
+            <a:tailEnd/>
+          </a:ln>
+        </p:spPr>
+      </p:pic>
     </p:spTree>
   </p:cSld>
 </p:sld>
@@ -3974,7 +5599,12 @@
             <p:ph type="title"/>
           </p:nvPr>
         </p:nvSpPr>
-        <p:spPr/>
+        <p:spPr>
+          <a:xfrm>
+            <a:off x="457201" y="204787"/>
+            <a:ext cx="3008313" cy="871538"/>
+          </a:xfrm>
+        </p:spPr>
         <p:txBody>
           <a:bodyPr/>
           <a:lstStyle/>
@@ -3984,19 +5614,19 @@
             </a:pPr>
             <a:r>
               <a:rPr/>
-              <a:t>git Basics</a:t>
-            </a:r>
-          </a:p>
-        </p:txBody>
-      </p:sp>
-      <p:sp>
-        <p:nvSpPr>
-          <p:cNvPr id="3" name="Content Placeholder 2"/>
-          <p:cNvSpPr>
-            <a:spLocks noGrp="1"/>
-          </p:cNvSpPr>
-          <p:nvPr>
-            <p:ph idx="1"/>
+              <a:t>Installing git</a:t>
+            </a:r>
+          </a:p>
+        </p:txBody>
+      </p:sp>
+      <p:sp>
+        <p:nvSpPr>
+          <p:cNvPr id="4" name="Text Placeholder 3"/>
+          <p:cNvSpPr>
+            <a:spLocks noGrp="1"/>
+          </p:cNvSpPr>
+          <p:nvPr>
+            <p:ph idx="2" sz="half" type="body"/>
           </p:nvPr>
         </p:nvSpPr>
         <p:spPr/>
@@ -4008,57 +5638,42 @@
               <a:buNone/>
             </a:pPr>
             <a:r>
-              <a:rPr b="1"/>
-              <a:t>Basic commands</a:t>
-            </a:r>
-          </a:p>
-          <a:p>
-            <a:pPr lvl="0"/>
-            <a:r>
-              <a:rPr>
-                <a:latin typeface="Courier"/>
-              </a:rPr>
-              <a:t>git pull origin main</a:t>
-            </a:r>
-          </a:p>
-          <a:p>
-            <a:pPr lvl="0"/>
-            <a:r>
-              <a:rPr>
-                <a:latin typeface="Courier"/>
-              </a:rPr>
-              <a:t>git add .</a:t>
-            </a:r>
-          </a:p>
-          <a:p>
-            <a:pPr lvl="0"/>
-            <a:r>
-              <a:rPr>
-                <a:latin typeface="Courier"/>
-              </a:rPr>
-              <a:t>git commit -m "describe your changes or vent frustration"</a:t>
-            </a:r>
-          </a:p>
-          <a:p>
-            <a:pPr lvl="0"/>
-            <a:r>
-              <a:rPr>
-                <a:latin typeface="Courier"/>
-              </a:rPr>
-              <a:t>git push origin main</a:t>
-            </a:r>
-          </a:p>
-          <a:p>
-            <a:pPr lvl="0"/>
-            <a:r>
-              <a:rPr>
-                <a:latin typeface="Courier"/>
-              </a:rPr>
-              <a:t>git pull origin main</a:t>
-            </a:r>
-          </a:p>
-        </p:txBody>
-      </p:sp>
+              <a:rPr/>
+              <a:t>Make sure that “Git from the command line and 3rd-party software” is selected</a:t>
+            </a:r>
+          </a:p>
+        </p:txBody>
+      </p:sp>
+      <p:pic>
+        <p:nvPicPr>
+          <p:cNvPr descr="img/git_3p.png" id="0" name="Picture 1"/>
+          <p:cNvPicPr>
+            <a:picLocks noGrp="1" noChangeAspect="1"/>
+          </p:cNvPicPr>
+          <p:nvPr/>
+        </p:nvPicPr>
+        <p:blipFill>
+          <a:blip r:embed="rId2"/>
+          <a:stretch>
+            <a:fillRect/>
+          </a:stretch>
+        </p:blipFill>
+        <p:spPr bwMode="auto">
+          <a:xfrm>
+            <a:off x="3568700" y="266700"/>
+            <a:ext cx="5105400" cy="4241800"/>
+          </a:xfrm>
+          <a:prstGeom prst="rect">
+            <a:avLst/>
+          </a:prstGeom>
+          <a:noFill/>
+          <a:ln w="9525">
+            <a:noFill/>
+            <a:headEnd/>
+            <a:tailEnd/>
+          </a:ln>
+        </p:spPr>
+      </p:pic>
     </p:spTree>
   </p:cSld>
 </p:sld>
@@ -4101,63 +5716,41 @@
             </a:pPr>
             <a:r>
               <a:rPr/>
-              <a:t>git Basics</a:t>
-            </a:r>
-          </a:p>
-        </p:txBody>
-      </p:sp>
-      <p:sp>
-        <p:nvSpPr>
-          <p:cNvPr id="3" name="Content Placeholder 2"/>
-          <p:cNvSpPr>
-            <a:spLocks noGrp="1"/>
-          </p:cNvSpPr>
-          <p:nvPr>
-            <p:ph idx="1"/>
-          </p:nvPr>
-        </p:nvSpPr>
-        <p:spPr/>
-        <p:txBody>
-          <a:bodyPr/>
-          <a:lstStyle/>
-          <a:p>
-            <a:pPr lvl="0" indent="0" marL="0">
-              <a:buNone/>
-            </a:pPr>
-            <a:br/>
-          </a:p>
-          <a:p>
-            <a:pPr lvl="0" indent="0" marL="0">
-              <a:buNone/>
-            </a:pPr>
-            <a:r>
-              <a:rPr b="1"/>
-              <a:t>Git can be complicated</a:t>
-            </a:r>
-          </a:p>
-          <a:p>
-            <a:pPr lvl="0"/>
-            <a:r>
-              <a:rPr/>
-              <a:t>Often used for serious software development</a:t>
-            </a:r>
-          </a:p>
-          <a:p>
-            <a:pPr lvl="0"/>
-            <a:r>
-              <a:rPr/>
-              <a:t>Branches, conflicts, merges, rebase</a:t>
-            </a:r>
-          </a:p>
-          <a:p>
-            <a:pPr lvl="0"/>
-            <a:r>
-              <a:rPr/>
-              <a:t>Massive online community to help with more sophisticated use</a:t>
-            </a:r>
-          </a:p>
-        </p:txBody>
-      </p:sp>
+              <a:t>Installing git</a:t>
+            </a:r>
+          </a:p>
+        </p:txBody>
+      </p:sp>
+      <p:pic>
+        <p:nvPicPr>
+          <p:cNvPr descr="img/git_installed.png" id="0" name="Picture 1"/>
+          <p:cNvPicPr>
+            <a:picLocks noGrp="1" noChangeAspect="1"/>
+          </p:cNvPicPr>
+          <p:nvPr/>
+        </p:nvPicPr>
+        <p:blipFill>
+          <a:blip r:embed="rId3"/>
+          <a:stretch>
+            <a:fillRect/>
+          </a:stretch>
+        </p:blipFill>
+        <p:spPr bwMode="auto">
+          <a:xfrm>
+            <a:off x="1473200" y="1193800"/>
+            <a:ext cx="6197600" cy="3390900"/>
+          </a:xfrm>
+          <a:prstGeom prst="rect">
+            <a:avLst/>
+          </a:prstGeom>
+          <a:noFill/>
+          <a:ln w="9525">
+            <a:noFill/>
+            <a:headEnd/>
+            <a:tailEnd/>
+          </a:ln>
+        </p:spPr>
+      </p:pic>
     </p:spTree>
   </p:cSld>
 </p:sld>
@@ -4220,12 +5813,6 @@
           <a:bodyPr/>
           <a:lstStyle/>
           <a:p>
-            <a:pPr lvl="0" indent="0" marL="0">
-              <a:buNone/>
-            </a:pPr>
-            <a:br/>
-          </a:p>
-          <a:p>
             <a:pPr lvl="0" indent="-342900" marL="342900">
               <a:buAutoNum type="arabicPeriod"/>
             </a:pPr>
@@ -4283,7 +5870,7 @@
                 </a:solidFill>
                 <a:latin typeface="Courier"/>
               </a:rPr>
-              <a:t>git config --global user.name "Your Name"</a:t>
+              <a:t>git config --global user.name "Your_user_name"</a:t>
             </a:r>
             <a:br/>
             <a:r>
@@ -4293,7 +5880,7 @@
                 </a:solidFill>
                 <a:latin typeface="Courier"/>
               </a:rPr>
-              <a:t>git config --global user.email "yourname@email.edu"</a:t>
+              <a:t>git config --global user.email "youremail@email.edu"</a:t>
             </a:r>
           </a:p>
         </p:txBody>
@@ -4398,7 +5985,7 @@
           <p:nvPr/>
         </p:nvPicPr>
         <p:blipFill>
-          <a:blip r:embed="rId2"/>
+          <a:blip r:embed="rId3"/>
           <a:stretch>
             <a:fillRect/>
           </a:stretch>
@@ -4491,23 +6078,17 @@
             </a:pPr>
             <a:r>
               <a:rPr/>
-              <a:t>Download </a:t>
+              <a:t>Visit </a:t>
             </a:r>
             <a:r>
               <a:rPr>
-                <a:hlinkClick r:id="rId2"/>
+                <a:hlinkClick r:id="rId3"/>
               </a:rPr>
-              <a:t>GitHub Desktop</a:t>
-            </a:r>
-            <a:r>
-              <a:rPr/>
-              <a:t> </a:t>
-            </a:r>
-            <a:r>
-              <a:rPr>
-                <a:latin typeface="Courier"/>
-              </a:rPr>
-              <a:t>.exe</a:t>
+              <a:t>desktop.github.com</a:t>
+            </a:r>
+            <a:r>
+              <a:rPr/>
+              <a:t> and click “Download”</a:t>
             </a:r>
           </a:p>
           <a:p>
@@ -4536,7 +6117,7 @@
           <p:nvPr/>
         </p:nvPicPr>
         <p:blipFill>
-          <a:blip r:embed="rId3"/>
+          <a:blip r:embed="rId4"/>
           <a:stretch>
             <a:fillRect/>
           </a:stretch>
@@ -4613,7 +6194,7 @@
           <p:nvPr/>
         </p:nvPicPr>
         <p:blipFill>
-          <a:blip r:embed="rId2"/>
+          <a:blip r:embed="rId3"/>
           <a:stretch>
             <a:fillRect/>
           </a:stretch>
@@ -4666,7 +6247,12 @@
             <p:ph type="title"/>
           </p:nvPr>
         </p:nvSpPr>
-        <p:spPr/>
+        <p:spPr>
+          <a:xfrm>
+            <a:off x="457201" y="204787"/>
+            <a:ext cx="3008313" cy="871538"/>
+          </a:xfrm>
+        </p:spPr>
         <p:txBody>
           <a:bodyPr/>
           <a:lstStyle/>
@@ -4676,29 +6262,64 @@
             </a:pPr>
             <a:r>
               <a:rPr/>
-              <a:t>Clone your repo</a:t>
+              <a:t>Create a new repo</a:t>
+            </a:r>
+          </a:p>
+        </p:txBody>
+      </p:sp>
+      <p:sp>
+        <p:nvSpPr>
+          <p:cNvPr id="4" name="Text Placeholder 3"/>
+          <p:cNvSpPr>
+            <a:spLocks noGrp="1"/>
+          </p:cNvSpPr>
+          <p:nvPr>
+            <p:ph idx="2" sz="half" type="body"/>
+          </p:nvPr>
+        </p:nvSpPr>
+        <p:spPr/>
+        <p:txBody>
+          <a:bodyPr/>
+          <a:lstStyle/>
+          <a:p>
+            <a:pPr lvl="0" indent="0" marL="0">
+              <a:buNone/>
+            </a:pPr>
+            <a:r>
+              <a:rPr/>
+              <a:t>Sign-in to your account on </a:t>
+            </a:r>
+            <a:r>
+              <a:rPr>
+                <a:hlinkClick r:id="rId2"/>
+              </a:rPr>
+              <a:t>github.com</a:t>
+            </a:r>
+            <a:r>
+              <a:rPr/>
+              <a:t> and click “New” in the top right</a:t>
             </a:r>
           </a:p>
         </p:txBody>
       </p:sp>
       <p:pic>
         <p:nvPicPr>
-          <p:cNvPr descr="img/git_desktop_clone.png" id="0" name="Picture 1"/>
+          <p:cNvPr descr="img/git_create_repo.png" id="0" name="Picture 1"/>
           <p:cNvPicPr>
             <a:picLocks noGrp="1" noChangeAspect="1"/>
           </p:cNvPicPr>
           <p:nvPr/>
         </p:nvPicPr>
         <p:blipFill>
-          <a:blip r:embed="rId2"/>
+          <a:blip r:embed="rId3"/>
           <a:stretch>
             <a:fillRect/>
           </a:stretch>
         </p:blipFill>
         <p:spPr bwMode="auto">
           <a:xfrm>
-            <a:off x="2108200" y="1193800"/>
-            <a:ext cx="4927600" cy="3390900"/>
+            <a:off x="3568700" y="355600"/>
+            <a:ext cx="5105400" cy="4064000"/>
           </a:xfrm>
           <a:prstGeom prst="rect">
             <a:avLst/>
@@ -4753,7 +6374,38 @@
             </a:pPr>
             <a:r>
               <a:rPr/>
-              <a:t>Creating a Github account</a:t>
+              <a:t>Resources</a:t>
+            </a:r>
+          </a:p>
+        </p:txBody>
+      </p:sp>
+      <p:sp>
+        <p:nvSpPr>
+          <p:cNvPr id="3" name="Content Placeholder 2"/>
+          <p:cNvSpPr>
+            <a:spLocks noGrp="1"/>
+          </p:cNvSpPr>
+          <p:nvPr>
+            <p:ph idx="1"/>
+          </p:nvPr>
+        </p:nvSpPr>
+        <p:spPr/>
+        <p:txBody>
+          <a:bodyPr/>
+          <a:lstStyle/>
+          <a:p>
+            <a:pPr lvl="0" indent="0" marL="0">
+              <a:buNone/>
+            </a:pPr>
+            <a:r>
+              <a:rPr/>
+              <a:t>To learn more about using git with R, visit </a:t>
+            </a:r>
+            <a:r>
+              <a:rPr>
+                <a:hlinkClick r:id="rId3"/>
+              </a:rPr>
+              <a:t>happygitwithr.com</a:t>
             </a:r>
           </a:p>
         </p:txBody>
@@ -4764,6 +6416,327 @@
 </file>
 
 <file path=ppt/slides/slide20.xml><?xml version="1.0" encoding="utf-8"?>
+<p:sld xmlns:a="http://schemas.openxmlformats.org/drawingml/2006/main" xmlns:r="http://schemas.openxmlformats.org/officeDocument/2006/relationships" xmlns:p="http://schemas.openxmlformats.org/presentationml/2006/main">
+  <p:cSld>
+    <p:spTree>
+      <p:nvGrpSpPr>
+        <p:cNvPr id="1" name=""/>
+        <p:cNvGrpSpPr/>
+        <p:nvPr/>
+      </p:nvGrpSpPr>
+      <p:grpSpPr>
+        <a:xfrm>
+          <a:off x="0" y="0"/>
+          <a:ext cx="0" cy="0"/>
+          <a:chOff x="0" y="0"/>
+          <a:chExt cx="0" cy="0"/>
+        </a:xfrm>
+      </p:grpSpPr>
+      <p:sp>
+        <p:nvSpPr>
+          <p:cNvPr id="2" name="Title 1"/>
+          <p:cNvSpPr>
+            <a:spLocks noGrp="1"/>
+          </p:cNvSpPr>
+          <p:nvPr>
+            <p:ph type="title"/>
+          </p:nvPr>
+        </p:nvSpPr>
+        <p:spPr>
+          <a:xfrm>
+            <a:off x="457201" y="204787"/>
+            <a:ext cx="3008313" cy="871538"/>
+          </a:xfrm>
+        </p:spPr>
+        <p:txBody>
+          <a:bodyPr/>
+          <a:lstStyle/>
+          <a:p>
+            <a:pPr lvl="0" indent="0" marL="0">
+              <a:buNone/>
+            </a:pPr>
+            <a:r>
+              <a:rPr/>
+              <a:t>Create a new repo</a:t>
+            </a:r>
+          </a:p>
+        </p:txBody>
+      </p:sp>
+      <p:sp>
+        <p:nvSpPr>
+          <p:cNvPr id="4" name="Text Placeholder 3"/>
+          <p:cNvSpPr>
+            <a:spLocks noGrp="1"/>
+          </p:cNvSpPr>
+          <p:nvPr>
+            <p:ph idx="2" sz="half" type="body"/>
+          </p:nvPr>
+        </p:nvSpPr>
+        <p:spPr/>
+        <p:txBody>
+          <a:bodyPr/>
+          <a:lstStyle/>
+          <a:p>
+            <a:pPr lvl="0" indent="0" marL="0">
+              <a:buNone/>
+            </a:pPr>
+            <a:r>
+              <a:rPr/>
+              <a:t>Give your repository a name and decide whether to make it public or keep it private</a:t>
+            </a:r>
+          </a:p>
+        </p:txBody>
+      </p:sp>
+      <p:pic>
+        <p:nvPicPr>
+          <p:cNvPr descr="img/git_create_repo2.png" id="0" name="Picture 1"/>
+          <p:cNvPicPr>
+            <a:picLocks noGrp="1" noChangeAspect="1"/>
+          </p:cNvPicPr>
+          <p:nvPr/>
+        </p:nvPicPr>
+        <p:blipFill>
+          <a:blip r:embed="rId2"/>
+          <a:stretch>
+            <a:fillRect/>
+          </a:stretch>
+        </p:blipFill>
+        <p:spPr bwMode="auto">
+          <a:xfrm>
+            <a:off x="3568700" y="914400"/>
+            <a:ext cx="5105400" cy="2971800"/>
+          </a:xfrm>
+          <a:prstGeom prst="rect">
+            <a:avLst/>
+          </a:prstGeom>
+          <a:noFill/>
+          <a:ln w="9525">
+            <a:noFill/>
+            <a:headEnd/>
+            <a:tailEnd/>
+          </a:ln>
+        </p:spPr>
+      </p:pic>
+    </p:spTree>
+  </p:cSld>
+</p:sld>
+</file>
+
+<file path=ppt/slides/slide21.xml><?xml version="1.0" encoding="utf-8"?>
+<p:sld xmlns:a="http://schemas.openxmlformats.org/drawingml/2006/main" xmlns:r="http://schemas.openxmlformats.org/officeDocument/2006/relationships" xmlns:p="http://schemas.openxmlformats.org/presentationml/2006/main">
+  <p:cSld>
+    <p:spTree>
+      <p:nvGrpSpPr>
+        <p:cNvPr id="1" name=""/>
+        <p:cNvGrpSpPr/>
+        <p:nvPr/>
+      </p:nvGrpSpPr>
+      <p:grpSpPr>
+        <a:xfrm>
+          <a:off x="0" y="0"/>
+          <a:ext cx="0" cy="0"/>
+          <a:chOff x="0" y="0"/>
+          <a:chExt cx="0" cy="0"/>
+        </a:xfrm>
+      </p:grpSpPr>
+      <p:sp>
+        <p:nvSpPr>
+          <p:cNvPr id="2" name="Title 1"/>
+          <p:cNvSpPr>
+            <a:spLocks noGrp="1"/>
+          </p:cNvSpPr>
+          <p:nvPr>
+            <p:ph type="title"/>
+          </p:nvPr>
+        </p:nvSpPr>
+        <p:spPr>
+          <a:xfrm>
+            <a:off x="457201" y="204787"/>
+            <a:ext cx="3008313" cy="871538"/>
+          </a:xfrm>
+        </p:spPr>
+        <p:txBody>
+          <a:bodyPr/>
+          <a:lstStyle/>
+          <a:p>
+            <a:pPr lvl="0" indent="0" marL="0">
+              <a:buNone/>
+            </a:pPr>
+            <a:r>
+              <a:rPr/>
+              <a:t>Share with colleagues</a:t>
+            </a:r>
+          </a:p>
+        </p:txBody>
+      </p:sp>
+      <p:sp>
+        <p:nvSpPr>
+          <p:cNvPr id="4" name="Text Placeholder 3"/>
+          <p:cNvSpPr>
+            <a:spLocks noGrp="1"/>
+          </p:cNvSpPr>
+          <p:nvPr>
+            <p:ph idx="2" sz="half" type="body"/>
+          </p:nvPr>
+        </p:nvSpPr>
+        <p:spPr/>
+        <p:txBody>
+          <a:bodyPr/>
+          <a:lstStyle/>
+          <a:p>
+            <a:pPr lvl="0" indent="0" marL="0">
+              <a:buNone/>
+            </a:pPr>
+            <a:r>
+              <a:rPr/>
+              <a:t>Navigate to: Settings -&gt; Collaborators -&gt; Add People - Add the email address associated with any personal Github accounts of colleagues that you want to make contributions to the repo</a:t>
+            </a:r>
+          </a:p>
+        </p:txBody>
+      </p:sp>
+      <p:pic>
+        <p:nvPicPr>
+          <p:cNvPr descr="img/git_create_repo3.png" id="0" name="Picture 1"/>
+          <p:cNvPicPr>
+            <a:picLocks noGrp="1" noChangeAspect="1"/>
+          </p:cNvPicPr>
+          <p:nvPr/>
+        </p:nvPicPr>
+        <p:blipFill>
+          <a:blip r:embed="rId2"/>
+          <a:stretch>
+            <a:fillRect/>
+          </a:stretch>
+        </p:blipFill>
+        <p:spPr bwMode="auto">
+          <a:xfrm>
+            <a:off x="3568700" y="762000"/>
+            <a:ext cx="5105400" cy="3263900"/>
+          </a:xfrm>
+          <a:prstGeom prst="rect">
+            <a:avLst/>
+          </a:prstGeom>
+          <a:noFill/>
+          <a:ln w="9525">
+            <a:noFill/>
+            <a:headEnd/>
+            <a:tailEnd/>
+          </a:ln>
+        </p:spPr>
+      </p:pic>
+    </p:spTree>
+  </p:cSld>
+</p:sld>
+</file>
+
+<file path=ppt/slides/slide22.xml><?xml version="1.0" encoding="utf-8"?>
+<p:sld xmlns:a="http://schemas.openxmlformats.org/drawingml/2006/main" xmlns:r="http://schemas.openxmlformats.org/officeDocument/2006/relationships" xmlns:p="http://schemas.openxmlformats.org/presentationml/2006/main">
+  <p:cSld>
+    <p:spTree>
+      <p:nvGrpSpPr>
+        <p:cNvPr id="1" name=""/>
+        <p:cNvGrpSpPr/>
+        <p:nvPr/>
+      </p:nvGrpSpPr>
+      <p:grpSpPr>
+        <a:xfrm>
+          <a:off x="0" y="0"/>
+          <a:ext cx="0" cy="0"/>
+          <a:chOff x="0" y="0"/>
+          <a:chExt cx="0" cy="0"/>
+        </a:xfrm>
+      </p:grpSpPr>
+      <p:sp>
+        <p:nvSpPr>
+          <p:cNvPr id="2" name="Title 1"/>
+          <p:cNvSpPr>
+            <a:spLocks noGrp="1"/>
+          </p:cNvSpPr>
+          <p:nvPr>
+            <p:ph type="title"/>
+          </p:nvPr>
+        </p:nvSpPr>
+        <p:spPr>
+          <a:xfrm>
+            <a:off x="457201" y="204787"/>
+            <a:ext cx="3008313" cy="871538"/>
+          </a:xfrm>
+        </p:spPr>
+        <p:txBody>
+          <a:bodyPr/>
+          <a:lstStyle/>
+          <a:p>
+            <a:pPr lvl="0" indent="0" marL="0">
+              <a:buNone/>
+            </a:pPr>
+            <a:r>
+              <a:rPr/>
+              <a:t>Clone your repo</a:t>
+            </a:r>
+          </a:p>
+        </p:txBody>
+      </p:sp>
+      <p:sp>
+        <p:nvSpPr>
+          <p:cNvPr id="4" name="Text Placeholder 3"/>
+          <p:cNvSpPr>
+            <a:spLocks noGrp="1"/>
+          </p:cNvSpPr>
+          <p:nvPr>
+            <p:ph idx="2" sz="half" type="body"/>
+          </p:nvPr>
+        </p:nvSpPr>
+        <p:spPr/>
+        <p:txBody>
+          <a:bodyPr/>
+          <a:lstStyle/>
+          <a:p>
+            <a:pPr lvl="0" indent="0" marL="0">
+              <a:buNone/>
+            </a:pPr>
+            <a:r>
+              <a:rPr/>
+              <a:t>Open the Github Desktop application and create a “clone” the remote repo to create a local copy</a:t>
+            </a:r>
+          </a:p>
+        </p:txBody>
+      </p:sp>
+      <p:pic>
+        <p:nvPicPr>
+          <p:cNvPr descr="img/git_desktop_clone.png" id="0" name="Picture 1"/>
+          <p:cNvPicPr>
+            <a:picLocks noGrp="1" noChangeAspect="1"/>
+          </p:cNvPicPr>
+          <p:nvPr/>
+        </p:nvPicPr>
+        <p:blipFill>
+          <a:blip r:embed="rId3"/>
+          <a:stretch>
+            <a:fillRect/>
+          </a:stretch>
+        </p:blipFill>
+        <p:spPr bwMode="auto">
+          <a:xfrm>
+            <a:off x="3568700" y="635000"/>
+            <a:ext cx="5105400" cy="3505200"/>
+          </a:xfrm>
+          <a:prstGeom prst="rect">
+            <a:avLst/>
+          </a:prstGeom>
+          <a:noFill/>
+          <a:ln w="9525">
+            <a:noFill/>
+            <a:headEnd/>
+            <a:tailEnd/>
+          </a:ln>
+        </p:spPr>
+      </p:pic>
+    </p:spTree>
+  </p:cSld>
+</p:sld>
+</file>
+
+<file path=ppt/slides/slide23.xml><?xml version="1.0" encoding="utf-8"?>
 <p:sld xmlns:a="http://schemas.openxmlformats.org/drawingml/2006/main" xmlns:r="http://schemas.openxmlformats.org/officeDocument/2006/relationships" xmlns:p="http://schemas.openxmlformats.org/presentationml/2006/main">
   <p:cSld>
     <p:spTree>
@@ -4840,237 +6813,6 @@
 </p:sld>
 </file>
 
-<file path=ppt/slides/slide21.xml><?xml version="1.0" encoding="utf-8"?>
-<p:sld xmlns:a="http://schemas.openxmlformats.org/drawingml/2006/main" xmlns:r="http://schemas.openxmlformats.org/officeDocument/2006/relationships" xmlns:p="http://schemas.openxmlformats.org/presentationml/2006/main">
-  <p:cSld>
-    <p:spTree>
-      <p:nvGrpSpPr>
-        <p:cNvPr id="1" name=""/>
-        <p:cNvGrpSpPr/>
-        <p:nvPr/>
-      </p:nvGrpSpPr>
-      <p:grpSpPr>
-        <a:xfrm>
-          <a:off x="0" y="0"/>
-          <a:ext cx="0" cy="0"/>
-          <a:chOff x="0" y="0"/>
-          <a:chExt cx="0" cy="0"/>
-        </a:xfrm>
-      </p:grpSpPr>
-      <p:sp>
-        <p:nvSpPr>
-          <p:cNvPr id="2" name="Title 1"/>
-          <p:cNvSpPr>
-            <a:spLocks noGrp="1"/>
-          </p:cNvSpPr>
-          <p:nvPr>
-            <p:ph type="title"/>
-          </p:nvPr>
-        </p:nvSpPr>
-        <p:spPr/>
-        <p:txBody>
-          <a:bodyPr/>
-          <a:lstStyle/>
-          <a:p>
-            <a:pPr lvl="0" indent="0" marL="0">
-              <a:buNone/>
-            </a:pPr>
-            <a:r>
-              <a:rPr/>
-              <a:t>Clone your repo</a:t>
-            </a:r>
-          </a:p>
-        </p:txBody>
-      </p:sp>
-      <p:pic>
-        <p:nvPicPr>
-          <p:cNvPr descr="img/git_desktop_repo.png" id="0" name="Picture 1"/>
-          <p:cNvPicPr>
-            <a:picLocks noGrp="1" noChangeAspect="1"/>
-          </p:cNvPicPr>
-          <p:nvPr/>
-        </p:nvPicPr>
-        <p:blipFill>
-          <a:blip r:embed="rId2"/>
-          <a:stretch>
-            <a:fillRect/>
-          </a:stretch>
-        </p:blipFill>
-        <p:spPr bwMode="auto">
-          <a:xfrm>
-            <a:off x="2108200" y="1193800"/>
-            <a:ext cx="4927600" cy="3390900"/>
-          </a:xfrm>
-          <a:prstGeom prst="rect">
-            <a:avLst/>
-          </a:prstGeom>
-          <a:noFill/>
-          <a:ln w="9525">
-            <a:noFill/>
-            <a:headEnd/>
-            <a:tailEnd/>
-          </a:ln>
-        </p:spPr>
-      </p:pic>
-    </p:spTree>
-  </p:cSld>
-</p:sld>
-</file>
-
-<file path=ppt/slides/slide22.xml><?xml version="1.0" encoding="utf-8"?>
-<p:sld xmlns:a="http://schemas.openxmlformats.org/drawingml/2006/main" xmlns:r="http://schemas.openxmlformats.org/officeDocument/2006/relationships" xmlns:p="http://schemas.openxmlformats.org/presentationml/2006/main">
-  <p:cSld>
-    <p:spTree>
-      <p:nvGrpSpPr>
-        <p:cNvPr id="1" name=""/>
-        <p:cNvGrpSpPr/>
-        <p:nvPr/>
-      </p:nvGrpSpPr>
-      <p:grpSpPr>
-        <a:xfrm>
-          <a:off x="0" y="0"/>
-          <a:ext cx="0" cy="0"/>
-          <a:chOff x="0" y="0"/>
-          <a:chExt cx="0" cy="0"/>
-        </a:xfrm>
-      </p:grpSpPr>
-      <p:sp>
-        <p:nvSpPr>
-          <p:cNvPr id="2" name="Title 1"/>
-          <p:cNvSpPr>
-            <a:spLocks noGrp="1"/>
-          </p:cNvSpPr>
-          <p:nvPr>
-            <p:ph type="title"/>
-          </p:nvPr>
-        </p:nvSpPr>
-        <p:spPr/>
-        <p:txBody>
-          <a:bodyPr/>
-          <a:lstStyle/>
-          <a:p>
-            <a:pPr lvl="0" indent="0" marL="0">
-              <a:buNone/>
-            </a:pPr>
-            <a:r>
-              <a:rPr/>
-              <a:t>Commit changes</a:t>
-            </a:r>
-          </a:p>
-        </p:txBody>
-      </p:sp>
-      <p:pic>
-        <p:nvPicPr>
-          <p:cNvPr descr="img/git_desktop_commit.png" id="0" name="Picture 1"/>
-          <p:cNvPicPr>
-            <a:picLocks noGrp="1" noChangeAspect="1"/>
-          </p:cNvPicPr>
-          <p:nvPr/>
-        </p:nvPicPr>
-        <p:blipFill>
-          <a:blip r:embed="rId2"/>
-          <a:stretch>
-            <a:fillRect/>
-          </a:stretch>
-        </p:blipFill>
-        <p:spPr bwMode="auto">
-          <a:xfrm>
-            <a:off x="2133600" y="1193800"/>
-            <a:ext cx="4876800" cy="3390900"/>
-          </a:xfrm>
-          <a:prstGeom prst="rect">
-            <a:avLst/>
-          </a:prstGeom>
-          <a:noFill/>
-          <a:ln w="9525">
-            <a:noFill/>
-            <a:headEnd/>
-            <a:tailEnd/>
-          </a:ln>
-        </p:spPr>
-      </p:pic>
-    </p:spTree>
-  </p:cSld>
-</p:sld>
-</file>
-
-<file path=ppt/slides/slide23.xml><?xml version="1.0" encoding="utf-8"?>
-<p:sld xmlns:a="http://schemas.openxmlformats.org/drawingml/2006/main" xmlns:r="http://schemas.openxmlformats.org/officeDocument/2006/relationships" xmlns:p="http://schemas.openxmlformats.org/presentationml/2006/main">
-  <p:cSld>
-    <p:spTree>
-      <p:nvGrpSpPr>
-        <p:cNvPr id="1" name=""/>
-        <p:cNvGrpSpPr/>
-        <p:nvPr/>
-      </p:nvGrpSpPr>
-      <p:grpSpPr>
-        <a:xfrm>
-          <a:off x="0" y="0"/>
-          <a:ext cx="0" cy="0"/>
-          <a:chOff x="0" y="0"/>
-          <a:chExt cx="0" cy="0"/>
-        </a:xfrm>
-      </p:grpSpPr>
-      <p:sp>
-        <p:nvSpPr>
-          <p:cNvPr id="2" name="Title 1"/>
-          <p:cNvSpPr>
-            <a:spLocks noGrp="1"/>
-          </p:cNvSpPr>
-          <p:nvPr>
-            <p:ph type="title"/>
-          </p:nvPr>
-        </p:nvSpPr>
-        <p:spPr/>
-        <p:txBody>
-          <a:bodyPr/>
-          <a:lstStyle/>
-          <a:p>
-            <a:pPr lvl="0" indent="0" marL="0">
-              <a:buNone/>
-            </a:pPr>
-            <a:r>
-              <a:rPr/>
-              <a:t>Push to your repo</a:t>
-            </a:r>
-          </a:p>
-        </p:txBody>
-      </p:sp>
-      <p:pic>
-        <p:nvPicPr>
-          <p:cNvPr descr="img/git_desktop_push.png" id="0" name="Picture 1"/>
-          <p:cNvPicPr>
-            <a:picLocks noGrp="1" noChangeAspect="1"/>
-          </p:cNvPicPr>
-          <p:nvPr/>
-        </p:nvPicPr>
-        <p:blipFill>
-          <a:blip r:embed="rId2"/>
-          <a:stretch>
-            <a:fillRect/>
-          </a:stretch>
-        </p:blipFill>
-        <p:spPr bwMode="auto">
-          <a:xfrm>
-            <a:off x="2133600" y="1193800"/>
-            <a:ext cx="4876800" cy="3390900"/>
-          </a:xfrm>
-          <a:prstGeom prst="rect">
-            <a:avLst/>
-          </a:prstGeom>
-          <a:noFill/>
-          <a:ln w="9525">
-            <a:noFill/>
-            <a:headEnd/>
-            <a:tailEnd/>
-          </a:ln>
-        </p:spPr>
-      </p:pic>
-    </p:spTree>
-  </p:cSld>
-</p:sld>
-</file>
-
 <file path=ppt/slides/slide24.xml><?xml version="1.0" encoding="utf-8"?>
 <p:sld xmlns:a="http://schemas.openxmlformats.org/drawingml/2006/main" xmlns:r="http://schemas.openxmlformats.org/officeDocument/2006/relationships" xmlns:p="http://schemas.openxmlformats.org/presentationml/2006/main">
   <p:cSld>
@@ -5108,21 +6850,21 @@
             </a:pPr>
             <a:r>
               <a:rPr/>
-              <a:t>Pull from your repo</a:t>
+              <a:t>Clone your repo</a:t>
             </a:r>
           </a:p>
         </p:txBody>
       </p:sp>
       <p:pic>
         <p:nvPicPr>
-          <p:cNvPr descr="img/git_desktop_pull.png" id="0" name="Picture 1"/>
+          <p:cNvPr descr="img/git_desktop_repo.png" id="0" name="Picture 1"/>
           <p:cNvPicPr>
             <a:picLocks noGrp="1" noChangeAspect="1"/>
           </p:cNvPicPr>
           <p:nvPr/>
         </p:nvPicPr>
         <p:blipFill>
-          <a:blip r:embed="rId2"/>
+          <a:blip r:embed="rId3"/>
           <a:stretch>
             <a:fillRect/>
           </a:stretch>
@@ -5177,8 +6919,8 @@
         </p:nvSpPr>
         <p:spPr>
           <a:xfrm>
-            <a:off x="722313" y="3305176"/>
-            <a:ext cx="7772400" cy="1021556"/>
+            <a:off x="457201" y="204787"/>
+            <a:ext cx="3008313" cy="871538"/>
           </a:xfrm>
         </p:spPr>
         <p:txBody>
@@ -5190,11 +6932,66 @@
             </a:pPr>
             <a:r>
               <a:rPr/>
-              <a:t>Github Pages</a:t>
-            </a:r>
-          </a:p>
-        </p:txBody>
-      </p:sp>
+              <a:t>Commit changes</a:t>
+            </a:r>
+          </a:p>
+        </p:txBody>
+      </p:sp>
+      <p:sp>
+        <p:nvSpPr>
+          <p:cNvPr id="4" name="Text Placeholder 3"/>
+          <p:cNvSpPr>
+            <a:spLocks noGrp="1"/>
+          </p:cNvSpPr>
+          <p:nvPr>
+            <p:ph idx="2" sz="half" type="body"/>
+          </p:nvPr>
+        </p:nvSpPr>
+        <p:spPr/>
+        <p:txBody>
+          <a:bodyPr/>
+          <a:lstStyle/>
+          <a:p>
+            <a:pPr lvl="0" indent="0" marL="0">
+              <a:buNone/>
+            </a:pPr>
+            <a:r>
+              <a:rPr/>
+              <a:t>Now you can make changes to the repo, and those changes will appear as “diffs” in the application - Add a description and make a “commit” to record those changes in git</a:t>
+            </a:r>
+          </a:p>
+        </p:txBody>
+      </p:sp>
+      <p:pic>
+        <p:nvPicPr>
+          <p:cNvPr descr="img/git_desktop_commit.png" id="0" name="Picture 1"/>
+          <p:cNvPicPr>
+            <a:picLocks noGrp="1" noChangeAspect="1"/>
+          </p:cNvPicPr>
+          <p:nvPr/>
+        </p:nvPicPr>
+        <p:blipFill>
+          <a:blip r:embed="rId3"/>
+          <a:stretch>
+            <a:fillRect/>
+          </a:stretch>
+        </p:blipFill>
+        <p:spPr bwMode="auto">
+          <a:xfrm>
+            <a:off x="3568700" y="622300"/>
+            <a:ext cx="5105400" cy="3556000"/>
+          </a:xfrm>
+          <a:prstGeom prst="rect">
+            <a:avLst/>
+          </a:prstGeom>
+          <a:noFill/>
+          <a:ln w="9525">
+            <a:noFill/>
+            <a:headEnd/>
+            <a:tailEnd/>
+          </a:ln>
+        </p:spPr>
+      </p:pic>
     </p:spTree>
   </p:cSld>
 </p:sld>
@@ -5242,107 +7039,54 @@
             </a:pPr>
             <a:r>
               <a:rPr/>
-              <a:t>Create a website</a:t>
-            </a:r>
-          </a:p>
-        </p:txBody>
-      </p:sp>
-      <mc:AlternateContent xmlns:mc="http://schemas.openxmlformats.org/markup-compatibility/2006">
-        <mc:Choice xmlns:a14="http://schemas.microsoft.com/office/drawing/2010/main" Requires="a14">
-          <p:sp>
-            <p:nvSpPr>
-              <p:cNvPr id="4" name="Text Placeholder 3"/>
-              <p:cNvSpPr>
-                <a:spLocks noGrp="1"/>
-              </p:cNvSpPr>
-              <p:nvPr>
-                <p:ph idx="2" sz="half" type="body"/>
-              </p:nvPr>
-            </p:nvSpPr>
-            <p:spPr/>
-            <p:txBody>
-              <a:bodyPr/>
-              <a:lstStyle/>
-              <a:p>
-                <a:pPr lvl="0" indent="0" marL="0">
-                  <a:buNone/>
-                </a:pPr>
-                <a:r>
-                  <a:rPr b="1"/>
-                  <a:t>Moving to RStudio</a:t>
-                </a:r>
-              </a:p>
-              <a:p>
-                <a:pPr lvl="0"/>
-                <a:r>
-                  <a:rPr/>
-                  <a:t>File </a:t>
-                </a:r>
-                <a14:m>
-                  <m:oMath xmlns:m="http://schemas.openxmlformats.org/officeDocument/2006/math">
-                    <m:r>
-                      <m:rPr>
-                        <m:sty m:val="p"/>
-                      </m:rPr>
-                      <m:t>→</m:t>
-                    </m:r>
-                  </m:oMath>
-                </a14:m>
-                <a:r>
-                  <a:rPr/>
-                  <a:t> New Project </a:t>
-                </a:r>
-                <a14:m>
-                  <m:oMath xmlns:m="http://schemas.openxmlformats.org/officeDocument/2006/math">
-                    <m:r>
-                      <m:rPr>
-                        <m:sty m:val="p"/>
-                      </m:rPr>
-                      <m:t>→</m:t>
-                    </m:r>
-                  </m:oMath>
-                </a14:m>
-                <a:r>
-                  <a:rPr/>
-                  <a:t> New Directory </a:t>
-                </a:r>
-                <a14:m>
-                  <m:oMath xmlns:m="http://schemas.openxmlformats.org/officeDocument/2006/math">
-                    <m:r>
-                      <m:rPr>
-                        <m:sty m:val="p"/>
-                      </m:rPr>
-                      <m:t>→</m:t>
-                    </m:r>
-                  </m:oMath>
-                </a14:m>
-                <a:r>
-                  <a:rPr/>
-                  <a:t> Quarto Website</a:t>
-                </a:r>
-              </a:p>
-            </p:txBody>
-          </p:sp>
-        </mc:Choice>
-      </mc:AlternateContent>
+              <a:t>Push to your repo</a:t>
+            </a:r>
+          </a:p>
+        </p:txBody>
+      </p:sp>
+      <p:sp>
+        <p:nvSpPr>
+          <p:cNvPr id="4" name="Text Placeholder 3"/>
+          <p:cNvSpPr>
+            <a:spLocks noGrp="1"/>
+          </p:cNvSpPr>
+          <p:nvPr>
+            <p:ph idx="2" sz="half" type="body"/>
+          </p:nvPr>
+        </p:nvSpPr>
+        <p:spPr/>
+        <p:txBody>
+          <a:bodyPr/>
+          <a:lstStyle/>
+          <a:p>
+            <a:pPr lvl="0" indent="0" marL="0">
+              <a:buNone/>
+            </a:pPr>
+            <a:r>
+              <a:rPr/>
+              <a:t>Push those changes to the remote version of the repo on Github.com</a:t>
+            </a:r>
+          </a:p>
+        </p:txBody>
+      </p:sp>
       <p:pic>
         <p:nvPicPr>
-          <p:cNvPr descr="img/website_initiate.png" id="0" name="Picture 1"/>
+          <p:cNvPr descr="img/git_desktop_push.png" id="0" name="Picture 1"/>
           <p:cNvPicPr>
             <a:picLocks noGrp="1" noChangeAspect="1"/>
           </p:cNvPicPr>
           <p:nvPr/>
         </p:nvPicPr>
         <p:blipFill>
-          <a:blip r:embed="rId2"/>
+          <a:blip r:embed="rId3"/>
           <a:stretch>
             <a:fillRect/>
           </a:stretch>
         </p:blipFill>
         <p:spPr bwMode="auto">
           <a:xfrm>
-            <a:off x="3568700" y="812800"/>
-            <a:ext cx="5105400" cy="3149600"/>
+            <a:off x="3568700" y="622300"/>
+            <a:ext cx="5105400" cy="3556000"/>
           </a:xfrm>
           <a:prstGeom prst="rect">
             <a:avLst/>
@@ -5387,7 +7131,12 @@
             <p:ph type="title"/>
           </p:nvPr>
         </p:nvSpPr>
-        <p:spPr/>
+        <p:spPr>
+          <a:xfrm>
+            <a:off x="457201" y="204787"/>
+            <a:ext cx="3008313" cy="871538"/>
+          </a:xfrm>
+        </p:spPr>
         <p:txBody>
           <a:bodyPr/>
           <a:lstStyle/>
@@ -5397,29 +7146,54 @@
             </a:pPr>
             <a:r>
               <a:rPr/>
-              <a:t>Create a website</a:t>
+              <a:t>Pull from your repo</a:t>
+            </a:r>
+          </a:p>
+        </p:txBody>
+      </p:sp>
+      <p:sp>
+        <p:nvSpPr>
+          <p:cNvPr id="4" name="Text Placeholder 3"/>
+          <p:cNvSpPr>
+            <a:spLocks noGrp="1"/>
+          </p:cNvSpPr>
+          <p:nvPr>
+            <p:ph idx="2" sz="half" type="body"/>
+          </p:nvPr>
+        </p:nvSpPr>
+        <p:spPr/>
+        <p:txBody>
+          <a:bodyPr/>
+          <a:lstStyle/>
+          <a:p>
+            <a:pPr lvl="0" indent="0" marL="0">
+              <a:buNone/>
+            </a:pPr>
+            <a:r>
+              <a:rPr/>
+              <a:t>When colleagues push a commit to the repo, you can pull their commit by clicking “Pull origin”</a:t>
             </a:r>
           </a:p>
         </p:txBody>
       </p:sp>
       <p:pic>
         <p:nvPicPr>
-          <p:cNvPr descr="img/website_files.png" id="0" name="Picture 1"/>
+          <p:cNvPr descr="img/git_desktop_pull.png" id="0" name="Picture 1"/>
           <p:cNvPicPr>
             <a:picLocks noGrp="1" noChangeAspect="1"/>
           </p:cNvPicPr>
           <p:nvPr/>
         </p:nvPicPr>
         <p:blipFill>
-          <a:blip r:embed="rId2"/>
+          <a:blip r:embed="rId3"/>
           <a:stretch>
             <a:fillRect/>
           </a:stretch>
         </p:blipFill>
         <p:spPr bwMode="auto">
           <a:xfrm>
-            <a:off x="2273300" y="1193800"/>
-            <a:ext cx="4584700" cy="3390900"/>
+            <a:off x="3568700" y="635000"/>
+            <a:ext cx="5105400" cy="3505200"/>
           </a:xfrm>
           <a:prstGeom prst="rect">
             <a:avLst/>
@@ -5432,203 +7206,6 @@
           </a:ln>
         </p:spPr>
       </p:pic>
-    </p:spTree>
-  </p:cSld>
-</p:sld>
-</file>
-
-<file path=ppt/slides/slide28.xml><?xml version="1.0" encoding="utf-8"?>
-<p:sld xmlns:a="http://schemas.openxmlformats.org/drawingml/2006/main" xmlns:r="http://schemas.openxmlformats.org/officeDocument/2006/relationships" xmlns:p="http://schemas.openxmlformats.org/presentationml/2006/main">
-  <p:cSld>
-    <p:spTree>
-      <p:nvGrpSpPr>
-        <p:cNvPr id="1" name=""/>
-        <p:cNvGrpSpPr/>
-        <p:nvPr/>
-      </p:nvGrpSpPr>
-      <p:grpSpPr>
-        <a:xfrm>
-          <a:off x="0" y="0"/>
-          <a:ext cx="0" cy="0"/>
-          <a:chOff x="0" y="0"/>
-          <a:chExt cx="0" cy="0"/>
-        </a:xfrm>
-      </p:grpSpPr>
-      <p:sp>
-        <p:nvSpPr>
-          <p:cNvPr id="2" name="Title 1"/>
-          <p:cNvSpPr>
-            <a:spLocks noGrp="1"/>
-          </p:cNvSpPr>
-          <p:nvPr>
-            <p:ph type="title"/>
-          </p:nvPr>
-        </p:nvSpPr>
-        <p:spPr>
-          <a:xfrm>
-            <a:off x="457201" y="204787"/>
-            <a:ext cx="3008313" cy="871538"/>
-          </a:xfrm>
-        </p:spPr>
-        <p:txBody>
-          <a:bodyPr/>
-          <a:lstStyle/>
-          <a:p>
-            <a:pPr lvl="0" indent="0" marL="0">
-              <a:buNone/>
-            </a:pPr>
-            <a:r>
-              <a:rPr/>
-              <a:t>Create a website</a:t>
-            </a:r>
-          </a:p>
-        </p:txBody>
-      </p:sp>
-      <p:sp>
-        <p:nvSpPr>
-          <p:cNvPr id="4" name="Text Placeholder 3"/>
-          <p:cNvSpPr>
-            <a:spLocks noGrp="1"/>
-          </p:cNvSpPr>
-          <p:nvPr>
-            <p:ph idx="2" sz="half" type="body"/>
-          </p:nvPr>
-        </p:nvSpPr>
-        <p:spPr/>
-        <p:txBody>
-          <a:bodyPr/>
-          <a:lstStyle/>
-          <a:p>
-            <a:pPr lvl="0" indent="0" marL="0">
-              <a:buNone/>
-            </a:pPr>
-            <a:r>
-              <a:rPr b="1"/>
-              <a:t>Change output director to </a:t>
-            </a:r>
-            <a:r>
-              <a:rPr b="1">
-                <a:latin typeface="Courier"/>
-              </a:rPr>
-              <a:t>docs</a:t>
-            </a:r>
-          </a:p>
-        </p:txBody>
-      </p:sp>
-      <p:pic>
-        <p:nvPicPr>
-          <p:cNvPr descr="img/website_docs.png" id="0" name="Picture 1"/>
-          <p:cNvPicPr>
-            <a:picLocks noGrp="1" noChangeAspect="1"/>
-          </p:cNvPicPr>
-          <p:nvPr/>
-        </p:nvPicPr>
-        <p:blipFill>
-          <a:blip r:embed="rId2"/>
-          <a:stretch>
-            <a:fillRect/>
-          </a:stretch>
-        </p:blipFill>
-        <p:spPr bwMode="auto">
-          <a:xfrm>
-            <a:off x="3568700" y="1193800"/>
-            <a:ext cx="5105400" cy="2400300"/>
-          </a:xfrm>
-          <a:prstGeom prst="rect">
-            <a:avLst/>
-          </a:prstGeom>
-          <a:noFill/>
-          <a:ln w="9525">
-            <a:noFill/>
-            <a:headEnd/>
-            <a:tailEnd/>
-          </a:ln>
-        </p:spPr>
-      </p:pic>
-    </p:spTree>
-  </p:cSld>
-</p:sld>
-</file>
-
-<file path=ppt/slides/slide29.xml><?xml version="1.0" encoding="utf-8"?>
-<p:sld xmlns:a="http://schemas.openxmlformats.org/drawingml/2006/main" xmlns:r="http://schemas.openxmlformats.org/officeDocument/2006/relationships" xmlns:p="http://schemas.openxmlformats.org/presentationml/2006/main">
-  <p:cSld>
-    <p:spTree>
-      <p:nvGrpSpPr>
-        <p:cNvPr id="1" name=""/>
-        <p:cNvGrpSpPr/>
-        <p:nvPr/>
-      </p:nvGrpSpPr>
-      <p:grpSpPr>
-        <a:xfrm>
-          <a:off x="0" y="0"/>
-          <a:ext cx="0" cy="0"/>
-          <a:chOff x="0" y="0"/>
-          <a:chExt cx="0" cy="0"/>
-        </a:xfrm>
-      </p:grpSpPr>
-      <p:sp>
-        <p:nvSpPr>
-          <p:cNvPr id="2" name="Title 1"/>
-          <p:cNvSpPr>
-            <a:spLocks noGrp="1"/>
-          </p:cNvSpPr>
-          <p:nvPr>
-            <p:ph type="title"/>
-          </p:nvPr>
-        </p:nvSpPr>
-        <p:spPr/>
-        <p:txBody>
-          <a:bodyPr/>
-          <a:lstStyle/>
-          <a:p>
-            <a:pPr lvl="0" indent="0" marL="0">
-              <a:buNone/>
-            </a:pPr>
-            <a:r>
-              <a:rPr/>
-              <a:t>Publish to Github pages</a:t>
-            </a:r>
-          </a:p>
-        </p:txBody>
-      </p:sp>
-      <p:sp>
-        <p:nvSpPr>
-          <p:cNvPr id="3" name="Content Placeholder 2"/>
-          <p:cNvSpPr>
-            <a:spLocks noGrp="1"/>
-          </p:cNvSpPr>
-          <p:nvPr>
-            <p:ph idx="1"/>
-          </p:nvPr>
-        </p:nvSpPr>
-        <p:spPr/>
-        <p:txBody>
-          <a:bodyPr/>
-          <a:lstStyle/>
-          <a:p>
-            <a:pPr lvl="0"/>
-            <a:r>
-              <a:rPr/>
-              <a:t>Keep a repository of your website</a:t>
-            </a:r>
-          </a:p>
-          <a:p>
-            <a:pPr lvl="0"/>
-            <a:r>
-              <a:rPr/>
-              <a:t>Push changes to your website via Github</a:t>
-            </a:r>
-          </a:p>
-          <a:p>
-            <a:pPr lvl="0"/>
-            <a:r>
-              <a:rPr/>
-              <a:t>See changes almost instantly</a:t>
-            </a:r>
-          </a:p>
-        </p:txBody>
-      </p:sp>
     </p:spTree>
   </p:cSld>
 </p:sld>
@@ -5671,7 +7248,7 @@
             </a:pPr>
             <a:r>
               <a:rPr/>
-              <a:t>Installing git</a:t>
+              <a:t>Git Basics</a:t>
             </a:r>
           </a:p>
         </p:txBody>
@@ -5691,21 +7268,16 @@
           <a:bodyPr/>
           <a:lstStyle/>
           <a:p>
-            <a:pPr lvl="0" indent="-342900" marL="342900">
-              <a:buAutoNum type="arabicPeriod"/>
+            <a:pPr lvl="0" indent="0" marL="0">
+              <a:buNone/>
             </a:pPr>
             <a:r>
-              <a:rPr/>
-              <a:t>Open the terminal/command prompt</a:t>
-            </a:r>
-          </a:p>
-          <a:p>
-            <a:pPr lvl="0" indent="-342900" marL="342900">
-              <a:buAutoNum type="arabicPeriod"/>
-            </a:pPr>
-            <a:r>
-              <a:rPr/>
-              <a:t>Check if you have git installed</a:t>
+              <a:rPr b="1"/>
+              <a:t>Git is a version control program</a:t>
+            </a:r>
+            <a:r>
+              <a:rPr/>
+              <a:t>, so you can avoid…</a:t>
             </a:r>
           </a:p>
           <a:p>
@@ -5719,767 +7291,67 @@
                 </a:solidFill>
                 <a:latin typeface="Courier"/>
               </a:rPr>
-              <a:t>git --version</a:t>
-            </a:r>
-          </a:p>
-          <a:p>
-            <a:pPr lvl="0" indent="0" marL="0">
-              <a:buNone/>
-            </a:pPr>
-          </a:p>
-        </p:txBody>
-      </p:sp>
-    </p:spTree>
-  </p:cSld>
-</p:sld>
-</file>
-
-<file path=ppt/slides/slide30.xml><?xml version="1.0" encoding="utf-8"?>
-<p:sld xmlns:a="http://schemas.openxmlformats.org/drawingml/2006/main" xmlns:r="http://schemas.openxmlformats.org/officeDocument/2006/relationships" xmlns:p="http://schemas.openxmlformats.org/presentationml/2006/main">
-  <p:cSld>
-    <p:spTree>
-      <p:nvGrpSpPr>
-        <p:cNvPr id="1" name=""/>
-        <p:cNvGrpSpPr/>
-        <p:nvPr/>
-      </p:nvGrpSpPr>
-      <p:grpSpPr>
-        <a:xfrm>
-          <a:off x="0" y="0"/>
-          <a:ext cx="0" cy="0"/>
-          <a:chOff x="0" y="0"/>
-          <a:chExt cx="0" cy="0"/>
-        </a:xfrm>
-      </p:grpSpPr>
-      <p:sp>
-        <p:nvSpPr>
-          <p:cNvPr id="2" name="Title 1"/>
-          <p:cNvSpPr>
-            <a:spLocks noGrp="1"/>
-          </p:cNvSpPr>
-          <p:nvPr>
-            <p:ph type="title"/>
-          </p:nvPr>
-        </p:nvSpPr>
-        <p:spPr/>
-        <p:txBody>
-          <a:bodyPr/>
-          <a:lstStyle/>
-          <a:p>
-            <a:pPr lvl="0" indent="0" marL="0">
-              <a:buNone/>
-            </a:pPr>
-            <a:r>
-              <a:rPr/>
-              <a:t>Publish to Github pages</a:t>
-            </a:r>
-          </a:p>
-        </p:txBody>
-      </p:sp>
-      <mc:AlternateContent xmlns:mc="http://schemas.openxmlformats.org/markup-compatibility/2006">
-        <mc:Choice xmlns:a14="http://schemas.microsoft.com/office/drawing/2010/main" Requires="a14">
-          <p:sp>
-            <p:nvSpPr>
-              <p:cNvPr id="3" name="Content Placeholder 2"/>
-              <p:cNvSpPr>
-                <a:spLocks noGrp="1"/>
-              </p:cNvSpPr>
-              <p:nvPr>
-                <p:ph idx="1"/>
-              </p:nvPr>
-            </p:nvSpPr>
-            <p:spPr/>
-            <p:txBody>
-              <a:bodyPr/>
-              <a:lstStyle/>
-              <a:p>
-                <a:pPr lvl="0" indent="0" marL="0">
-                  <a:buNone/>
-                </a:pPr>
-                <a:r>
-                  <a:rPr b="1"/>
-                  <a:t>Where we left off</a:t>
-                </a:r>
-              </a:p>
-              <a:p>
-                <a:pPr lvl="0"/>
-                <a:r>
-                  <a:rPr/>
-                  <a:t>Publish local git repo to github.com</a:t>
-                </a:r>
-              </a:p>
-              <a:p>
-                <a:pPr lvl="0"/>
-                <a:r>
-                  <a:rPr/>
-                  <a:t>Uncheck ‘Keep this code private’</a:t>
-                </a:r>
-              </a:p>
-              <a:p>
-                <a:pPr lvl="0"/>
-                <a:r>
-                  <a:rPr/>
-                  <a:t>Open repo on github.com</a:t>
-                </a:r>
-              </a:p>
-              <a:p>
-                <a:pPr lvl="0"/>
-                <a:r>
-                  <a:rPr/>
-                  <a:t>Settings </a:t>
-                </a:r>
-                <a14:m>
-                  <m:oMath xmlns:m="http://schemas.openxmlformats.org/officeDocument/2006/math">
-                    <m:r>
-                      <m:rPr>
-                        <m:sty m:val="p"/>
-                      </m:rPr>
-                      <m:t>→</m:t>
-                    </m:r>
-                  </m:oMath>
-                </a14:m>
-                <a:r>
-                  <a:rPr/>
-                  <a:t> Pages (left-sidebar)</a:t>
-                </a:r>
-              </a:p>
-            </p:txBody>
-          </p:sp>
-        </mc:Choice>
-      </mc:AlternateContent>
-    </p:spTree>
-  </p:cSld>
-</p:sld>
-</file>
-
-<file path=ppt/slides/slide31.xml><?xml version="1.0" encoding="utf-8"?>
-<p:sld xmlns:a="http://schemas.openxmlformats.org/drawingml/2006/main" xmlns:r="http://schemas.openxmlformats.org/officeDocument/2006/relationships" xmlns:p="http://schemas.openxmlformats.org/presentationml/2006/main">
-  <p:cSld>
-    <p:spTree>
-      <p:nvGrpSpPr>
-        <p:cNvPr id="1" name=""/>
-        <p:cNvGrpSpPr/>
-        <p:nvPr/>
-      </p:nvGrpSpPr>
-      <p:grpSpPr>
-        <a:xfrm>
-          <a:off x="0" y="0"/>
-          <a:ext cx="0" cy="0"/>
-          <a:chOff x="0" y="0"/>
-          <a:chExt cx="0" cy="0"/>
-        </a:xfrm>
-      </p:grpSpPr>
-      <p:sp>
-        <p:nvSpPr>
-          <p:cNvPr id="2" name="Title 1"/>
-          <p:cNvSpPr>
-            <a:spLocks noGrp="1"/>
-          </p:cNvSpPr>
-          <p:nvPr>
-            <p:ph type="title"/>
-          </p:nvPr>
-        </p:nvSpPr>
-        <p:spPr/>
-        <p:txBody>
-          <a:bodyPr/>
-          <a:lstStyle/>
-          <a:p>
-            <a:pPr lvl="0" indent="0" marL="0">
-              <a:buNone/>
-            </a:pPr>
-            <a:r>
-              <a:rPr/>
-              <a:t>Publish to Github pages</a:t>
-            </a:r>
-          </a:p>
-        </p:txBody>
-      </p:sp>
-      <p:pic>
-        <p:nvPicPr>
-          <p:cNvPr descr="img/pages_add.png" id="0" name="Picture 1"/>
-          <p:cNvPicPr>
-            <a:picLocks noGrp="1" noChangeAspect="1"/>
-          </p:cNvPicPr>
-          <p:nvPr/>
-        </p:nvPicPr>
-        <p:blipFill>
-          <a:blip r:embed="rId2"/>
-          <a:stretch>
-            <a:fillRect/>
-          </a:stretch>
-        </p:blipFill>
-        <p:spPr bwMode="auto">
-          <a:xfrm>
-            <a:off x="2133600" y="1193800"/>
-            <a:ext cx="4876800" cy="3390900"/>
-          </a:xfrm>
-          <a:prstGeom prst="rect">
-            <a:avLst/>
-          </a:prstGeom>
-          <a:noFill/>
-          <a:ln w="9525">
-            <a:noFill/>
-            <a:headEnd/>
-            <a:tailEnd/>
-          </a:ln>
-        </p:spPr>
-      </p:pic>
-    </p:spTree>
-  </p:cSld>
-</p:sld>
-</file>
-
-<file path=ppt/slides/slide32.xml><?xml version="1.0" encoding="utf-8"?>
-<p:sld xmlns:a="http://schemas.openxmlformats.org/drawingml/2006/main" xmlns:r="http://schemas.openxmlformats.org/officeDocument/2006/relationships" xmlns:p="http://schemas.openxmlformats.org/presentationml/2006/main">
-  <p:cSld>
-    <p:spTree>
-      <p:nvGrpSpPr>
-        <p:cNvPr id="1" name=""/>
-        <p:cNvGrpSpPr/>
-        <p:nvPr/>
-      </p:nvGrpSpPr>
-      <p:grpSpPr>
-        <a:xfrm>
-          <a:off x="0" y="0"/>
-          <a:ext cx="0" cy="0"/>
-          <a:chOff x="0" y="0"/>
-          <a:chExt cx="0" cy="0"/>
-        </a:xfrm>
-      </p:grpSpPr>
-      <p:sp>
-        <p:nvSpPr>
-          <p:cNvPr id="2" name="Title 1"/>
-          <p:cNvSpPr>
-            <a:spLocks noGrp="1"/>
-          </p:cNvSpPr>
-          <p:nvPr>
-            <p:ph type="title"/>
-          </p:nvPr>
-        </p:nvSpPr>
-        <p:spPr/>
-        <p:txBody>
-          <a:bodyPr/>
-          <a:lstStyle/>
-          <a:p>
-            <a:pPr lvl="0" indent="0" marL="0">
-              <a:buNone/>
-            </a:pPr>
-            <a:r>
-              <a:rPr/>
-              <a:t>Publish to Github pages</a:t>
-            </a:r>
-          </a:p>
-        </p:txBody>
-      </p:sp>
-      <p:pic>
-        <p:nvPicPr>
-          <p:cNvPr descr="img/pages_add2.png" id="0" name="Picture 1"/>
-          <p:cNvPicPr>
-            <a:picLocks noGrp="1" noChangeAspect="1"/>
-          </p:cNvPicPr>
-          <p:nvPr/>
-        </p:nvPicPr>
-        <p:blipFill>
-          <a:blip r:embed="rId2"/>
-          <a:stretch>
-            <a:fillRect/>
-          </a:stretch>
-        </p:blipFill>
-        <p:spPr bwMode="auto">
-          <a:xfrm>
-            <a:off x="1866900" y="1193800"/>
-            <a:ext cx="5410200" cy="3390900"/>
-          </a:xfrm>
-          <a:prstGeom prst="rect">
-            <a:avLst/>
-          </a:prstGeom>
-          <a:noFill/>
-          <a:ln w="9525">
-            <a:noFill/>
-            <a:headEnd/>
-            <a:tailEnd/>
-          </a:ln>
-        </p:spPr>
-      </p:pic>
-    </p:spTree>
-  </p:cSld>
-</p:sld>
-</file>
-
-<file path=ppt/slides/slide33.xml><?xml version="1.0" encoding="utf-8"?>
-<p:sld xmlns:a="http://schemas.openxmlformats.org/drawingml/2006/main" xmlns:r="http://schemas.openxmlformats.org/officeDocument/2006/relationships" xmlns:p="http://schemas.openxmlformats.org/presentationml/2006/main">
-  <p:cSld>
-    <p:spTree>
-      <p:nvGrpSpPr>
-        <p:cNvPr id="1" name=""/>
-        <p:cNvGrpSpPr/>
-        <p:nvPr/>
-      </p:nvGrpSpPr>
-      <p:grpSpPr>
-        <a:xfrm>
-          <a:off x="0" y="0"/>
-          <a:ext cx="0" cy="0"/>
-          <a:chOff x="0" y="0"/>
-          <a:chExt cx="0" cy="0"/>
-        </a:xfrm>
-      </p:grpSpPr>
-      <p:sp>
-        <p:nvSpPr>
-          <p:cNvPr id="2" name="Title 1"/>
-          <p:cNvSpPr>
-            <a:spLocks noGrp="1"/>
-          </p:cNvSpPr>
-          <p:nvPr>
-            <p:ph type="title"/>
-          </p:nvPr>
-        </p:nvSpPr>
-        <p:spPr/>
-        <p:txBody>
-          <a:bodyPr/>
-          <a:lstStyle/>
-          <a:p>
-            <a:pPr lvl="0" indent="0" marL="0">
-              <a:buNone/>
-            </a:pPr>
-            <a:r>
-              <a:rPr/>
-              <a:t>Publish to Github pages</a:t>
-            </a:r>
-          </a:p>
-        </p:txBody>
-      </p:sp>
-      <p:pic>
-        <p:nvPicPr>
-          <p:cNvPr descr="img/pages_add3.png" id="0" name="Picture 1"/>
-          <p:cNvPicPr>
-            <a:picLocks noGrp="1" noChangeAspect="1"/>
-          </p:cNvPicPr>
-          <p:nvPr/>
-        </p:nvPicPr>
-        <p:blipFill>
-          <a:blip r:embed="rId2"/>
-          <a:stretch>
-            <a:fillRect/>
-          </a:stretch>
-        </p:blipFill>
-        <p:spPr bwMode="auto">
-          <a:xfrm>
-            <a:off x="2133600" y="1193800"/>
-            <a:ext cx="4876800" cy="3390900"/>
-          </a:xfrm>
-          <a:prstGeom prst="rect">
-            <a:avLst/>
-          </a:prstGeom>
-          <a:noFill/>
-          <a:ln w="9525">
-            <a:noFill/>
-            <a:headEnd/>
-            <a:tailEnd/>
-          </a:ln>
-        </p:spPr>
-      </p:pic>
-    </p:spTree>
-  </p:cSld>
-</p:sld>
-</file>
-
-<file path=ppt/slides/slide34.xml><?xml version="1.0" encoding="utf-8"?>
-<p:sld xmlns:a="http://schemas.openxmlformats.org/drawingml/2006/main" xmlns:r="http://schemas.openxmlformats.org/officeDocument/2006/relationships" xmlns:p="http://schemas.openxmlformats.org/presentationml/2006/main">
-  <p:cSld>
-    <p:spTree>
-      <p:nvGrpSpPr>
-        <p:cNvPr id="1" name=""/>
-        <p:cNvGrpSpPr/>
-        <p:nvPr/>
-      </p:nvGrpSpPr>
-      <p:grpSpPr>
-        <a:xfrm>
-          <a:off x="0" y="0"/>
-          <a:ext cx="0" cy="0"/>
-          <a:chOff x="0" y="0"/>
-          <a:chExt cx="0" cy="0"/>
-        </a:xfrm>
-      </p:grpSpPr>
-      <p:sp>
-        <p:nvSpPr>
-          <p:cNvPr id="2" name="Title 1"/>
-          <p:cNvSpPr>
-            <a:spLocks noGrp="1"/>
-          </p:cNvSpPr>
-          <p:nvPr>
-            <p:ph type="title"/>
-          </p:nvPr>
-        </p:nvSpPr>
-        <p:spPr/>
-        <p:txBody>
-          <a:bodyPr/>
-          <a:lstStyle/>
-          <a:p>
-            <a:pPr lvl="0" indent="0" marL="0">
-              <a:buNone/>
-            </a:pPr>
-            <a:r>
-              <a:rPr/>
-              <a:t>Publish to Github pages</a:t>
-            </a:r>
-          </a:p>
-        </p:txBody>
-      </p:sp>
-      <p:pic>
-        <p:nvPicPr>
-          <p:cNvPr descr="img/pages_add4.png" id="0" name="Picture 1"/>
-          <p:cNvPicPr>
-            <a:picLocks noGrp="1" noChangeAspect="1"/>
-          </p:cNvPicPr>
-          <p:nvPr/>
-        </p:nvPicPr>
-        <p:blipFill>
-          <a:blip r:embed="rId2"/>
-          <a:stretch>
-            <a:fillRect/>
-          </a:stretch>
-        </p:blipFill>
-        <p:spPr bwMode="auto">
-          <a:xfrm>
-            <a:off x="2133600" y="1193800"/>
-            <a:ext cx="4876800" cy="3390900"/>
-          </a:xfrm>
-          <a:prstGeom prst="rect">
-            <a:avLst/>
-          </a:prstGeom>
-          <a:noFill/>
-          <a:ln w="9525">
-            <a:noFill/>
-            <a:headEnd/>
-            <a:tailEnd/>
-          </a:ln>
-        </p:spPr>
-      </p:pic>
-    </p:spTree>
-  </p:cSld>
-</p:sld>
-</file>
-
-<file path=ppt/slides/slide35.xml><?xml version="1.0" encoding="utf-8"?>
-<p:sld xmlns:a="http://schemas.openxmlformats.org/drawingml/2006/main" xmlns:r="http://schemas.openxmlformats.org/officeDocument/2006/relationships" xmlns:p="http://schemas.openxmlformats.org/presentationml/2006/main">
-  <p:cSld>
-    <p:spTree>
-      <p:nvGrpSpPr>
-        <p:cNvPr id="1" name=""/>
-        <p:cNvGrpSpPr/>
-        <p:nvPr/>
-      </p:nvGrpSpPr>
-      <p:grpSpPr>
-        <a:xfrm>
-          <a:off x="0" y="0"/>
-          <a:ext cx="0" cy="0"/>
-          <a:chOff x="0" y="0"/>
-          <a:chExt cx="0" cy="0"/>
-        </a:xfrm>
-      </p:grpSpPr>
-      <p:sp>
-        <p:nvSpPr>
-          <p:cNvPr id="2" name="Title 1"/>
-          <p:cNvSpPr>
-            <a:spLocks noGrp="1"/>
-          </p:cNvSpPr>
-          <p:nvPr>
-            <p:ph type="title"/>
-          </p:nvPr>
-        </p:nvSpPr>
-        <p:spPr/>
-        <p:txBody>
-          <a:bodyPr/>
-          <a:lstStyle/>
-          <a:p>
-            <a:pPr lvl="0" indent="0" marL="0">
-              <a:buNone/>
-            </a:pPr>
-            <a:r>
-              <a:rPr/>
-              <a:t>Publish to Github pages</a:t>
-            </a:r>
-          </a:p>
-        </p:txBody>
-      </p:sp>
-      <p:pic>
-        <p:nvPicPr>
-          <p:cNvPr descr="img/pages_publish.png" id="0" name="Picture 1"/>
-          <p:cNvPicPr>
-            <a:picLocks noGrp="1" noChangeAspect="1"/>
-          </p:cNvPicPr>
-          <p:nvPr/>
-        </p:nvPicPr>
-        <p:blipFill>
-          <a:blip r:embed="rId2"/>
-          <a:stretch>
-            <a:fillRect/>
-          </a:stretch>
-        </p:blipFill>
-        <p:spPr bwMode="auto">
-          <a:xfrm>
-            <a:off x="2540000" y="1193800"/>
-            <a:ext cx="4064000" cy="3390900"/>
-          </a:xfrm>
-          <a:prstGeom prst="rect">
-            <a:avLst/>
-          </a:prstGeom>
-          <a:noFill/>
-          <a:ln w="9525">
-            <a:noFill/>
-            <a:headEnd/>
-            <a:tailEnd/>
-          </a:ln>
-        </p:spPr>
-      </p:pic>
-    </p:spTree>
-  </p:cSld>
-</p:sld>
-</file>
-
-<file path=ppt/slides/slide36.xml><?xml version="1.0" encoding="utf-8"?>
-<p:sld xmlns:a="http://schemas.openxmlformats.org/drawingml/2006/main" xmlns:r="http://schemas.openxmlformats.org/officeDocument/2006/relationships" xmlns:p="http://schemas.openxmlformats.org/presentationml/2006/main">
-  <p:cSld>
-    <p:spTree>
-      <p:nvGrpSpPr>
-        <p:cNvPr id="1" name=""/>
-        <p:cNvGrpSpPr/>
-        <p:nvPr/>
-      </p:nvGrpSpPr>
-      <p:grpSpPr>
-        <a:xfrm>
-          <a:off x="0" y="0"/>
-          <a:ext cx="0" cy="0"/>
-          <a:chOff x="0" y="0"/>
-          <a:chExt cx="0" cy="0"/>
-        </a:xfrm>
-      </p:grpSpPr>
-      <p:sp>
-        <p:nvSpPr>
-          <p:cNvPr id="2" name="Title 1"/>
-          <p:cNvSpPr>
-            <a:spLocks noGrp="1"/>
-          </p:cNvSpPr>
-          <p:nvPr>
-            <p:ph type="title"/>
-          </p:nvPr>
-        </p:nvSpPr>
-        <p:spPr/>
-        <p:txBody>
-          <a:bodyPr/>
-          <a:lstStyle/>
-          <a:p>
-            <a:pPr lvl="0" indent="0" marL="0">
-              <a:buNone/>
-            </a:pPr>
-            <a:r>
-              <a:rPr/>
-              <a:t>Publish to Github pages</a:t>
-            </a:r>
-          </a:p>
-        </p:txBody>
-      </p:sp>
-      <p:pic>
-        <p:nvPicPr>
-          <p:cNvPr descr="img/pages_publish2.png" id="0" name="Picture 1"/>
-          <p:cNvPicPr>
-            <a:picLocks noGrp="1" noChangeAspect="1"/>
-          </p:cNvPicPr>
-          <p:nvPr/>
-        </p:nvPicPr>
-        <p:blipFill>
-          <a:blip r:embed="rId2"/>
-          <a:stretch>
-            <a:fillRect/>
-          </a:stretch>
-        </p:blipFill>
-        <p:spPr bwMode="auto">
-          <a:xfrm>
-            <a:off x="2540000" y="1193800"/>
-            <a:ext cx="4076700" cy="3390900"/>
-          </a:xfrm>
-          <a:prstGeom prst="rect">
-            <a:avLst/>
-          </a:prstGeom>
-          <a:noFill/>
-          <a:ln w="9525">
-            <a:noFill/>
-            <a:headEnd/>
-            <a:tailEnd/>
-          </a:ln>
-        </p:spPr>
-      </p:pic>
-    </p:spTree>
-  </p:cSld>
-</p:sld>
-</file>
-
-<file path=ppt/slides/slide37.xml><?xml version="1.0" encoding="utf-8"?>
-<p:sld xmlns:a="http://schemas.openxmlformats.org/drawingml/2006/main" xmlns:r="http://schemas.openxmlformats.org/officeDocument/2006/relationships" xmlns:p="http://schemas.openxmlformats.org/presentationml/2006/main">
-  <p:cSld>
-    <p:spTree>
-      <p:nvGrpSpPr>
-        <p:cNvPr id="1" name=""/>
-        <p:cNvGrpSpPr/>
-        <p:nvPr/>
-      </p:nvGrpSpPr>
-      <p:grpSpPr>
-        <a:xfrm>
-          <a:off x="0" y="0"/>
-          <a:ext cx="0" cy="0"/>
-          <a:chOff x="0" y="0"/>
-          <a:chExt cx="0" cy="0"/>
-        </a:xfrm>
-      </p:grpSpPr>
-      <p:sp>
-        <p:nvSpPr>
-          <p:cNvPr id="2" name="Title 1"/>
-          <p:cNvSpPr>
-            <a:spLocks noGrp="1"/>
-          </p:cNvSpPr>
-          <p:nvPr>
-            <p:ph type="title"/>
-          </p:nvPr>
-        </p:nvSpPr>
-        <p:spPr/>
-        <p:txBody>
-          <a:bodyPr/>
-          <a:lstStyle/>
-          <a:p>
-            <a:pPr lvl="0" indent="0" marL="0">
-              <a:buNone/>
-            </a:pPr>
-            <a:r>
-              <a:rPr/>
-              <a:t>Host Your Final Project</a:t>
-            </a:r>
-          </a:p>
-        </p:txBody>
-      </p:sp>
-      <p:sp>
-        <p:nvSpPr>
-          <p:cNvPr id="3" name="Content Placeholder 2"/>
-          <p:cNvSpPr>
-            <a:spLocks noGrp="1"/>
-          </p:cNvSpPr>
-          <p:nvPr>
-            <p:ph idx="1"/>
-          </p:nvPr>
-        </p:nvSpPr>
-        <p:spPr/>
-        <p:txBody>
-          <a:bodyPr/>
-          <a:lstStyle/>
-          <a:p>
-            <a:pPr lvl="0"/>
-            <a:r>
-              <a:rPr/>
-              <a:t>Delete </a:t>
-            </a:r>
+              <a:t>analysis.R</a:t>
+            </a:r>
+            <a:br/>
             <a:r>
               <a:rPr>
+                <a:solidFill>
+                  <a:srgbClr val="003B4F"/>
+                </a:solidFill>
                 <a:latin typeface="Courier"/>
               </a:rPr>
-              <a:t>_site</a:t>
-            </a:r>
-            <a:r>
-              <a:rPr/>
-              <a:t> folder (now its using </a:t>
-            </a:r>
+              <a:t>analysis_v1.R</a:t>
+            </a:r>
+            <a:br/>
             <a:r>
               <a:rPr>
+                <a:solidFill>
+                  <a:srgbClr val="003B4F"/>
+                </a:solidFill>
                 <a:latin typeface="Courier"/>
               </a:rPr>
-              <a:t>docs</a:t>
-            </a:r>
-            <a:r>
-              <a:rPr/>
-              <a:t>)</a:t>
-            </a:r>
-          </a:p>
-          <a:p>
-            <a:pPr lvl="0"/>
-            <a:r>
-              <a:rPr/>
-              <a:t>Create </a:t>
-            </a:r>
+              <a:t>analysis_v2.R</a:t>
+            </a:r>
+            <a:br/>
             <a:r>
               <a:rPr>
+                <a:solidFill>
+                  <a:srgbClr val="003B4F"/>
+                </a:solidFill>
                 <a:latin typeface="Courier"/>
               </a:rPr>
-              <a:t>data</a:t>
-            </a:r>
-            <a:r>
-              <a:rPr/>
-              <a:t> folder to store your dataset</a:t>
+              <a:t>analysis_v2_FINAL.R</a:t>
+            </a:r>
+          </a:p>
+          <a:p>
+            <a:pPr lvl="0" indent="0" marL="0">
+              <a:buNone/>
+            </a:pPr>
+            <a:r>
+              <a:rPr b="1"/>
+              <a:t>Version control</a:t>
             </a:r>
           </a:p>
           <a:p>
             <a:pPr lvl="0"/>
             <a:r>
               <a:rPr/>
-              <a:t>Add final project </a:t>
-            </a:r>
-            <a:r>
-              <a:rPr>
-                <a:latin typeface="Courier"/>
-              </a:rPr>
-              <a:t>.qmd</a:t>
-            </a:r>
-            <a:r>
-              <a:rPr/>
-              <a:t> file to your repo (or drop it into </a:t>
-            </a:r>
-            <a:r>
-              <a:rPr>
-                <a:latin typeface="Courier"/>
-              </a:rPr>
-              <a:t>index.qmd</a:t>
-            </a:r>
-            <a:r>
-              <a:rPr/>
-              <a:t>)</a:t>
+              <a:t>Helps avoid devastating loss/failure</a:t>
             </a:r>
           </a:p>
           <a:p>
             <a:pPr lvl="0"/>
             <a:r>
               <a:rPr/>
-              <a:t>Use </a:t>
-            </a:r>
-            <a:r>
-              <a:rPr>
-                <a:latin typeface="Courier"/>
-              </a:rPr>
-              <a:t>_quarto.yml</a:t>
-            </a:r>
-            <a:r>
-              <a:rPr/>
-              <a:t> to add new pages to navigation bar</a:t>
+              <a:t>Tracks changes and allows users to view or restore older versions</a:t>
             </a:r>
           </a:p>
           <a:p>
             <a:pPr lvl="0"/>
             <a:r>
               <a:rPr/>
-              <a:t>Render </a:t>
-            </a:r>
-            <a:r>
-              <a:rPr>
-                <a:latin typeface="Courier"/>
-              </a:rPr>
-              <a:t>index.qmd</a:t>
-            </a:r>
-            <a:r>
-              <a:rPr/>
-              <a:t>; confirm that other pages have been rendered</a:t>
-            </a:r>
-          </a:p>
-          <a:p>
-            <a:pPr lvl="0"/>
-            <a:r>
-              <a:rPr/>
-              <a:t>Push commit and check that the website updated</a:t>
+              <a:t>Can be private or public</a:t>
             </a:r>
           </a:p>
         </p:txBody>
@@ -6526,7 +7398,7 @@
             </a:pPr>
             <a:r>
               <a:rPr/>
-              <a:t>Installing git</a:t>
+              <a:t>Git Basics</a:t>
             </a:r>
           </a:p>
         </p:txBody>
@@ -6549,29 +7421,73 @@
             <a:pPr lvl="0" indent="0" marL="0">
               <a:buNone/>
             </a:pPr>
-            <a:br/>
-          </a:p>
-          <a:p>
-            <a:pPr lvl="0" indent="0" marL="0">
-              <a:buNone/>
-            </a:pPr>
             <a:r>
               <a:rPr b="1"/>
-              <a:t>If yes, consider running an update</a:t>
-            </a:r>
-          </a:p>
-          <a:p>
-            <a:pPr lvl="0" indent="0">
-              <a:buNone/>
-            </a:pPr>
-            <a:r>
-              <a:rPr>
-                <a:solidFill>
-                  <a:srgbClr val="003B4F"/>
-                </a:solidFill>
-                <a:latin typeface="Courier"/>
-              </a:rPr>
-              <a:t>git update-git-for-windows</a:t>
+              <a:t>Each project is a repository (repo)</a:t>
+            </a:r>
+          </a:p>
+          <a:p>
+            <a:pPr lvl="0"/>
+            <a:r>
+              <a:rPr/>
+              <a:t>Data and code for projects are stored in a repo folder</a:t>
+            </a:r>
+          </a:p>
+          <a:p>
+            <a:pPr lvl="0"/>
+            <a:r>
+              <a:rPr/>
+              <a:t>Repo is hosted </a:t>
+            </a:r>
+            <a:r>
+              <a:rPr i="1"/>
+              <a:t>remotely</a:t>
+            </a:r>
+            <a:r>
+              <a:rPr/>
+              <a:t> on github.com and </a:t>
+            </a:r>
+            <a:r>
+              <a:rPr i="1"/>
+              <a:t>locally</a:t>
+            </a:r>
+            <a:r>
+              <a:rPr/>
+              <a:t> as a folder on your harddrive</a:t>
+            </a:r>
+          </a:p>
+          <a:p>
+            <a:pPr lvl="0"/>
+            <a:r>
+              <a:rPr/>
+              <a:t>Make changes locally, record them as a </a:t>
+            </a:r>
+            <a:r>
+              <a:rPr i="1"/>
+              <a:t>commit</a:t>
+            </a:r>
+            <a:r>
+              <a:rPr/>
+              <a:t>, </a:t>
+            </a:r>
+            <a:r>
+              <a:rPr i="1"/>
+              <a:t>push</a:t>
+            </a:r>
+            <a:r>
+              <a:rPr/>
+              <a:t> them to the remote version</a:t>
+            </a:r>
+          </a:p>
+          <a:p>
+            <a:pPr lvl="0"/>
+            <a:r>
+              <a:rPr i="1"/>
+              <a:t>pull</a:t>
+            </a:r>
+            <a:r>
+              <a:rPr/>
+              <a:t> changes made by others from the remote version down to your local copy</a:t>
             </a:r>
           </a:p>
         </p:txBody>
@@ -6618,7 +7534,7 @@
             </a:pPr>
             <a:r>
               <a:rPr/>
-              <a:t>Installing git</a:t>
+              <a:t>Git Basics</a:t>
             </a:r>
           </a:p>
         </p:txBody>
@@ -6643,54 +7559,52 @@
             </a:pPr>
             <a:r>
               <a:rPr b="1"/>
-              <a:t>If no, install git</a:t>
+              <a:t>Usage</a:t>
             </a:r>
           </a:p>
           <a:p>
             <a:pPr lvl="0"/>
             <a:r>
-              <a:rPr>
-                <a:hlinkClick r:id="rId2"/>
-              </a:rPr>
-              <a:t>Installation instructions</a:t>
-            </a:r>
-          </a:p>
-          <a:p>
-            <a:pPr lvl="1"/>
-            <a:r>
-              <a:rPr/>
-              <a:t>Download </a:t>
-            </a:r>
-            <a:r>
-              <a:rPr>
-                <a:latin typeface="Courier"/>
-              </a:rPr>
-              <a:t>.exe</a:t>
-            </a:r>
-            <a:r>
-              <a:rPr/>
-              <a:t> and double-click</a:t>
+              <a:rPr/>
+              <a:t>Edit files using your preferred software (RStudio, Excel, text editors, etc.)</a:t>
             </a:r>
           </a:p>
           <a:p>
             <a:pPr lvl="0"/>
             <a:r>
               <a:rPr/>
-              <a:t>Two things to watch for:</a:t>
-            </a:r>
-          </a:p>
-          <a:p>
-            <a:pPr lvl="1"/>
-            <a:r>
-              <a:rPr/>
-              <a:t>Adjusting the name of the initial branch: Override the default branch name (select ‘main’)</a:t>
-            </a:r>
-          </a:p>
-          <a:p>
-            <a:pPr lvl="1"/>
-            <a:r>
-              <a:rPr/>
-              <a:t>Adjusting your PATH: make sure to select command line and 3rd-party</a:t>
+              <a:t>When you’re done, record the changes as a </a:t>
+            </a:r>
+            <a:r>
+              <a:rPr i="1"/>
+              <a:t>commit</a:t>
+            </a:r>
+            <a:r>
+              <a:rPr/>
+              <a:t>, push them to the remote version</a:t>
+            </a:r>
+          </a:p>
+          <a:p>
+            <a:pPr lvl="0" indent="0" marL="0">
+              <a:buNone/>
+            </a:pPr>
+            <a:r>
+              <a:rPr b="1"/>
+              <a:t>Collaboration</a:t>
+            </a:r>
+          </a:p>
+          <a:p>
+            <a:pPr lvl="0"/>
+            <a:r>
+              <a:rPr/>
+              <a:t>Precise record of who makes changes</a:t>
+            </a:r>
+          </a:p>
+          <a:p>
+            <a:pPr lvl="0"/>
+            <a:r>
+              <a:rPr/>
+              <a:t>Simultaneous editing can cause challenges</a:t>
             </a:r>
           </a:p>
         </p:txBody>
@@ -6727,12 +7641,7 @@
             <p:ph type="title"/>
           </p:nvPr>
         </p:nvSpPr>
-        <p:spPr>
-          <a:xfrm>
-            <a:off x="457201" y="204787"/>
-            <a:ext cx="3008313" cy="871538"/>
-          </a:xfrm>
-        </p:spPr>
+        <p:spPr/>
         <p:txBody>
           <a:bodyPr/>
           <a:lstStyle/>
@@ -6742,19 +7651,19 @@
             </a:pPr>
             <a:r>
               <a:rPr/>
-              <a:t>Installing git</a:t>
-            </a:r>
-          </a:p>
-        </p:txBody>
-      </p:sp>
-      <p:sp>
-        <p:nvSpPr>
-          <p:cNvPr id="4" name="Text Placeholder 3"/>
-          <p:cNvSpPr>
-            <a:spLocks noGrp="1"/>
-          </p:cNvSpPr>
-          <p:nvPr>
-            <p:ph idx="2" sz="half" type="body"/>
+              <a:t>Git Basics</a:t>
+            </a:r>
+          </a:p>
+        </p:txBody>
+      </p:sp>
+      <p:sp>
+        <p:nvSpPr>
+          <p:cNvPr id="3" name="Content Placeholder 2"/>
+          <p:cNvSpPr>
+            <a:spLocks noGrp="1"/>
+          </p:cNvSpPr>
+          <p:nvPr>
+            <p:ph idx="1"/>
           </p:nvPr>
         </p:nvSpPr>
         <p:spPr/>
@@ -6765,40 +7674,49 @@
             <a:pPr lvl="0" indent="0" marL="0">
               <a:buNone/>
             </a:pPr>
-            <a:br/>
-          </a:p>
-        </p:txBody>
-      </p:sp>
-      <p:pic>
-        <p:nvPicPr>
-          <p:cNvPr descr="img/git_exe.png" id="0" name="Picture 1"/>
-          <p:cNvPicPr>
-            <a:picLocks noGrp="1" noChangeAspect="1"/>
-          </p:cNvPicPr>
-          <p:nvPr/>
-        </p:nvPicPr>
-        <p:blipFill>
-          <a:blip r:embed="rId2"/>
-          <a:stretch>
-            <a:fillRect/>
-          </a:stretch>
-        </p:blipFill>
-        <p:spPr bwMode="auto">
-          <a:xfrm>
-            <a:off x="3568700" y="1409700"/>
-            <a:ext cx="5105400" cy="1955800"/>
-          </a:xfrm>
-          <a:prstGeom prst="rect">
-            <a:avLst/>
-          </a:prstGeom>
-          <a:noFill/>
-          <a:ln w="9525">
-            <a:noFill/>
-            <a:headEnd/>
-            <a:tailEnd/>
-          </a:ln>
-        </p:spPr>
-      </p:pic>
+            <a:r>
+              <a:rPr b="1"/>
+              <a:t>Essential commands</a:t>
+            </a:r>
+          </a:p>
+          <a:p>
+            <a:pPr lvl="0"/>
+            <a:r>
+              <a:rPr>
+                <a:latin typeface="Courier"/>
+              </a:rPr>
+              <a:t>git pull origin main</a:t>
+            </a:r>
+          </a:p>
+          <a:p>
+            <a:pPr lvl="0"/>
+            <a:r>
+              <a:rPr>
+                <a:latin typeface="Courier"/>
+              </a:rPr>
+              <a:t>git add .</a:t>
+            </a:r>
+          </a:p>
+          <a:p>
+            <a:pPr lvl="0"/>
+            <a:r>
+              <a:rPr>
+                <a:latin typeface="Courier"/>
+              </a:rPr>
+              <a:t>git commit -m "describe your changes or vent frustration"</a:t>
+            </a:r>
+          </a:p>
+          <a:p>
+            <a:pPr lvl="0"/>
+            <a:r>
+              <a:rPr>
+                <a:latin typeface="Courier"/>
+              </a:rPr>
+              <a:t>git push origin main</a:t>
+            </a:r>
+          </a:p>
+        </p:txBody>
+      </p:sp>
     </p:spTree>
   </p:cSld>
 </p:sld>
@@ -6841,41 +7759,63 @@
             </a:pPr>
             <a:r>
               <a:rPr/>
-              <a:t>Installing git</a:t>
-            </a:r>
-          </a:p>
-        </p:txBody>
-      </p:sp>
-      <p:pic>
-        <p:nvPicPr>
-          <p:cNvPr descr="img/git_exe_window.png" id="0" name="Picture 1"/>
-          <p:cNvPicPr>
-            <a:picLocks noGrp="1" noChangeAspect="1"/>
-          </p:cNvPicPr>
-          <p:nvPr/>
-        </p:nvPicPr>
-        <p:blipFill>
-          <a:blip r:embed="rId2"/>
-          <a:stretch>
-            <a:fillRect/>
-          </a:stretch>
-        </p:blipFill>
-        <p:spPr bwMode="auto">
-          <a:xfrm>
-            <a:off x="2527300" y="1193800"/>
-            <a:ext cx="4089400" cy="3390900"/>
-          </a:xfrm>
-          <a:prstGeom prst="rect">
-            <a:avLst/>
-          </a:prstGeom>
-          <a:noFill/>
-          <a:ln w="9525">
-            <a:noFill/>
-            <a:headEnd/>
-            <a:tailEnd/>
-          </a:ln>
-        </p:spPr>
-      </p:pic>
+              <a:t>Git Basics</a:t>
+            </a:r>
+          </a:p>
+        </p:txBody>
+      </p:sp>
+      <p:sp>
+        <p:nvSpPr>
+          <p:cNvPr id="3" name="Content Placeholder 2"/>
+          <p:cNvSpPr>
+            <a:spLocks noGrp="1"/>
+          </p:cNvSpPr>
+          <p:nvPr>
+            <p:ph idx="1"/>
+          </p:nvPr>
+        </p:nvSpPr>
+        <p:spPr/>
+        <p:txBody>
+          <a:bodyPr/>
+          <a:lstStyle/>
+          <a:p>
+            <a:pPr lvl="0" indent="0" marL="0">
+              <a:buNone/>
+            </a:pPr>
+            <a:br/>
+          </a:p>
+          <a:p>
+            <a:pPr lvl="0" indent="0" marL="0">
+              <a:buNone/>
+            </a:pPr>
+            <a:r>
+              <a:rPr b="1"/>
+              <a:t>Git can be complicated</a:t>
+            </a:r>
+          </a:p>
+          <a:p>
+            <a:pPr lvl="0"/>
+            <a:r>
+              <a:rPr/>
+              <a:t>Often used for sophisticated software development</a:t>
+            </a:r>
+          </a:p>
+          <a:p>
+            <a:pPr lvl="0"/>
+            <a:r>
+              <a:rPr/>
+              <a:t>Branches, conflicts, merges, rebase</a:t>
+            </a:r>
+          </a:p>
+          <a:p>
+            <a:pPr lvl="0"/>
+            <a:r>
+              <a:rPr/>
+              <a:t>Massive online community to guide new users</a:t>
+            </a:r>
+          </a:p>
+        </p:txBody>
+      </p:sp>
     </p:spTree>
   </p:cSld>
 </p:sld>
@@ -6918,41 +7858,70 @@
             </a:pPr>
             <a:r>
               <a:rPr/>
-              <a:t>Installing git</a:t>
-            </a:r>
-          </a:p>
-        </p:txBody>
-      </p:sp>
-      <p:pic>
-        <p:nvPicPr>
-          <p:cNvPr descr="img/git_origin.png" id="0" name="Picture 1"/>
-          <p:cNvPicPr>
-            <a:picLocks noGrp="1" noChangeAspect="1"/>
-          </p:cNvPicPr>
-          <p:nvPr/>
-        </p:nvPicPr>
-        <p:blipFill>
-          <a:blip r:embed="rId2"/>
-          <a:stretch>
-            <a:fillRect/>
-          </a:stretch>
-        </p:blipFill>
-        <p:spPr bwMode="auto">
-          <a:xfrm>
-            <a:off x="2527300" y="1193800"/>
-            <a:ext cx="4076700" cy="3390900"/>
-          </a:xfrm>
-          <a:prstGeom prst="rect">
-            <a:avLst/>
-          </a:prstGeom>
-          <a:noFill/>
-          <a:ln w="9525">
-            <a:noFill/>
-            <a:headEnd/>
-            <a:tailEnd/>
-          </a:ln>
-        </p:spPr>
-      </p:pic>
+              <a:t>Creating a Github account</a:t>
+            </a:r>
+          </a:p>
+        </p:txBody>
+      </p:sp>
+      <p:sp>
+        <p:nvSpPr>
+          <p:cNvPr id="3" name="Content Placeholder 2"/>
+          <p:cNvSpPr>
+            <a:spLocks noGrp="1"/>
+          </p:cNvSpPr>
+          <p:nvPr>
+            <p:ph idx="1"/>
+          </p:nvPr>
+        </p:nvSpPr>
+        <p:spPr/>
+        <p:txBody>
+          <a:bodyPr/>
+          <a:lstStyle/>
+          <a:p>
+            <a:pPr lvl="0" indent="0" marL="0">
+              <a:buNone/>
+            </a:pPr>
+            <a:r>
+              <a:rPr b="1"/>
+              <a:t>Create an account for yourself or your organization</a:t>
+            </a:r>
+          </a:p>
+          <a:p>
+            <a:pPr lvl="0"/>
+            <a:r>
+              <a:rPr/>
+              <a:t>Go to </a:t>
+            </a:r>
+            <a:r>
+              <a:rPr>
+                <a:hlinkClick r:id="rId3"/>
+              </a:rPr>
+              <a:t>github.com</a:t>
+            </a:r>
+          </a:p>
+          <a:p>
+            <a:pPr lvl="0"/>
+            <a:r>
+              <a:rPr/>
+              <a:t>Click “Sign-up” (top right)</a:t>
+            </a:r>
+          </a:p>
+          <a:p>
+            <a:pPr lvl="0"/>
+            <a:r>
+              <a:rPr/>
+              <a:t>Pick a username (ex. CloudburstGroup)</a:t>
+            </a:r>
+          </a:p>
+          <a:p>
+            <a:pPr lvl="0"/>
+            <a:r>
+              <a:rPr/>
+              <a:t>Follow the instructions</a:t>
+            </a:r>
+          </a:p>
+        </p:txBody>
+      </p:sp>
     </p:spTree>
   </p:cSld>
 </p:sld>
@@ -7000,36 +7969,59 @@
           </a:p>
         </p:txBody>
       </p:sp>
-      <p:pic>
-        <p:nvPicPr>
-          <p:cNvPr descr="img/git_3p.png" id="0" name="Picture 1"/>
-          <p:cNvPicPr>
-            <a:picLocks noGrp="1" noChangeAspect="1"/>
-          </p:cNvPicPr>
-          <p:nvPr/>
-        </p:nvPicPr>
-        <p:blipFill>
-          <a:blip r:embed="rId2"/>
-          <a:stretch>
-            <a:fillRect/>
-          </a:stretch>
-        </p:blipFill>
-        <p:spPr bwMode="auto">
-          <a:xfrm>
-            <a:off x="2527300" y="1193800"/>
-            <a:ext cx="4076700" cy="3390900"/>
-          </a:xfrm>
-          <a:prstGeom prst="rect">
-            <a:avLst/>
-          </a:prstGeom>
-          <a:noFill/>
-          <a:ln w="9525">
-            <a:noFill/>
-            <a:headEnd/>
-            <a:tailEnd/>
-          </a:ln>
-        </p:spPr>
-      </p:pic>
+      <p:sp>
+        <p:nvSpPr>
+          <p:cNvPr id="3" name="Content Placeholder 2"/>
+          <p:cNvSpPr>
+            <a:spLocks noGrp="1"/>
+          </p:cNvSpPr>
+          <p:nvPr>
+            <p:ph idx="1"/>
+          </p:nvPr>
+        </p:nvSpPr>
+        <p:spPr/>
+        <p:txBody>
+          <a:bodyPr/>
+          <a:lstStyle/>
+          <a:p>
+            <a:pPr lvl="0" indent="-342900" marL="342900">
+              <a:buAutoNum type="arabicPeriod"/>
+            </a:pPr>
+            <a:r>
+              <a:rPr/>
+              <a:t>Open the terminal/command prompt</a:t>
+            </a:r>
+          </a:p>
+          <a:p>
+            <a:pPr lvl="0" indent="-342900" marL="342900">
+              <a:buAutoNum type="arabicPeriod"/>
+            </a:pPr>
+            <a:r>
+              <a:rPr/>
+              <a:t>Check if you have git installed</a:t>
+            </a:r>
+          </a:p>
+          <a:p>
+            <a:pPr lvl="0" indent="0">
+              <a:buNone/>
+            </a:pPr>
+            <a:r>
+              <a:rPr>
+                <a:solidFill>
+                  <a:srgbClr val="003B4F"/>
+                </a:solidFill>
+                <a:latin typeface="Courier"/>
+              </a:rPr>
+              <a:t>git --version</a:t>
+            </a:r>
+          </a:p>
+          <a:p>
+            <a:pPr lvl="0" indent="0" marL="0">
+              <a:buNone/>
+            </a:pPr>
+          </a:p>
+        </p:txBody>
+      </p:sp>
     </p:spTree>
   </p:cSld>
 </p:sld>
